--- a/graphs_test/11-19/printscreens_tese.pptx
+++ b/graphs_test/11-19/printscreens_tese.pptx
@@ -5,7 +5,7 @@
     <p:sldMasterId id="2147483648" r:id="rId1"/>
   </p:sldMasterIdLst>
   <p:notesMasterIdLst>
-    <p:notesMasterId r:id="rId10"/>
+    <p:notesMasterId r:id="rId11"/>
   </p:notesMasterIdLst>
   <p:sldIdLst>
     <p:sldId id="260" r:id="rId2"/>
@@ -16,6 +16,7 @@
     <p:sldId id="262" r:id="rId7"/>
     <p:sldId id="257" r:id="rId8"/>
     <p:sldId id="263" r:id="rId9"/>
+    <p:sldId id="264" r:id="rId10"/>
   </p:sldIdLst>
   <p:sldSz cx="12192000" cy="6858000"/>
   <p:notesSz cx="6858000" cy="9144000"/>
@@ -204,7 +205,7 @@
           <a:p>
             <a:fld id="{ADB89B93-6586-4E18-8902-2B5626A4E4B4}" type="datetimeFigureOut">
               <a:rPr lang="pt-PT" smtClean="0"/>
-              <a:t>29/11/2019</a:t>
+              <a:t>02/12/2019</a:t>
             </a:fld>
             <a:endParaRPr lang="pt-PT"/>
           </a:p>
@@ -618,7 +619,7 @@
           <a:p>
             <a:fld id="{54B031C6-517C-4A65-AF55-E2B3A8480BDF}" type="datetimeFigureOut">
               <a:rPr lang="pt-PT" smtClean="0"/>
-              <a:t>29/11/2019</a:t>
+              <a:t>02/12/2019</a:t>
             </a:fld>
             <a:endParaRPr lang="pt-PT"/>
           </a:p>
@@ -816,7 +817,7 @@
           <a:p>
             <a:fld id="{54B031C6-517C-4A65-AF55-E2B3A8480BDF}" type="datetimeFigureOut">
               <a:rPr lang="pt-PT" smtClean="0"/>
-              <a:t>29/11/2019</a:t>
+              <a:t>02/12/2019</a:t>
             </a:fld>
             <a:endParaRPr lang="pt-PT"/>
           </a:p>
@@ -1024,7 +1025,7 @@
           <a:p>
             <a:fld id="{54B031C6-517C-4A65-AF55-E2B3A8480BDF}" type="datetimeFigureOut">
               <a:rPr lang="pt-PT" smtClean="0"/>
-              <a:t>29/11/2019</a:t>
+              <a:t>02/12/2019</a:t>
             </a:fld>
             <a:endParaRPr lang="pt-PT"/>
           </a:p>
@@ -1222,7 +1223,7 @@
           <a:p>
             <a:fld id="{54B031C6-517C-4A65-AF55-E2B3A8480BDF}" type="datetimeFigureOut">
               <a:rPr lang="pt-PT" smtClean="0"/>
-              <a:t>29/11/2019</a:t>
+              <a:t>02/12/2019</a:t>
             </a:fld>
             <a:endParaRPr lang="pt-PT"/>
           </a:p>
@@ -1497,7 +1498,7 @@
           <a:p>
             <a:fld id="{54B031C6-517C-4A65-AF55-E2B3A8480BDF}" type="datetimeFigureOut">
               <a:rPr lang="pt-PT" smtClean="0"/>
-              <a:t>29/11/2019</a:t>
+              <a:t>02/12/2019</a:t>
             </a:fld>
             <a:endParaRPr lang="pt-PT"/>
           </a:p>
@@ -1762,7 +1763,7 @@
           <a:p>
             <a:fld id="{54B031C6-517C-4A65-AF55-E2B3A8480BDF}" type="datetimeFigureOut">
               <a:rPr lang="pt-PT" smtClean="0"/>
-              <a:t>29/11/2019</a:t>
+              <a:t>02/12/2019</a:t>
             </a:fld>
             <a:endParaRPr lang="pt-PT"/>
           </a:p>
@@ -2174,7 +2175,7 @@
           <a:p>
             <a:fld id="{54B031C6-517C-4A65-AF55-E2B3A8480BDF}" type="datetimeFigureOut">
               <a:rPr lang="pt-PT" smtClean="0"/>
-              <a:t>29/11/2019</a:t>
+              <a:t>02/12/2019</a:t>
             </a:fld>
             <a:endParaRPr lang="pt-PT"/>
           </a:p>
@@ -2315,7 +2316,7 @@
           <a:p>
             <a:fld id="{54B031C6-517C-4A65-AF55-E2B3A8480BDF}" type="datetimeFigureOut">
               <a:rPr lang="pt-PT" smtClean="0"/>
-              <a:t>29/11/2019</a:t>
+              <a:t>02/12/2019</a:t>
             </a:fld>
             <a:endParaRPr lang="pt-PT"/>
           </a:p>
@@ -2428,7 +2429,7 @@
           <a:p>
             <a:fld id="{54B031C6-517C-4A65-AF55-E2B3A8480BDF}" type="datetimeFigureOut">
               <a:rPr lang="pt-PT" smtClean="0"/>
-              <a:t>29/11/2019</a:t>
+              <a:t>02/12/2019</a:t>
             </a:fld>
             <a:endParaRPr lang="pt-PT"/>
           </a:p>
@@ -2739,7 +2740,7 @@
           <a:p>
             <a:fld id="{54B031C6-517C-4A65-AF55-E2B3A8480BDF}" type="datetimeFigureOut">
               <a:rPr lang="pt-PT" smtClean="0"/>
-              <a:t>29/11/2019</a:t>
+              <a:t>02/12/2019</a:t>
             </a:fld>
             <a:endParaRPr lang="pt-PT"/>
           </a:p>
@@ -3027,7 +3028,7 @@
           <a:p>
             <a:fld id="{54B031C6-517C-4A65-AF55-E2B3A8480BDF}" type="datetimeFigureOut">
               <a:rPr lang="pt-PT" smtClean="0"/>
-              <a:t>29/11/2019</a:t>
+              <a:t>02/12/2019</a:t>
             </a:fld>
             <a:endParaRPr lang="pt-PT"/>
           </a:p>
@@ -3268,7 +3269,7 @@
           <a:p>
             <a:fld id="{54B031C6-517C-4A65-AF55-E2B3A8480BDF}" type="datetimeFigureOut">
               <a:rPr lang="pt-PT" smtClean="0"/>
-              <a:t>29/11/2019</a:t>
+              <a:t>02/12/2019</a:t>
             </a:fld>
             <a:endParaRPr lang="pt-PT"/>
           </a:p>
@@ -5137,6 +5138,360 @@
     <p:extLst>
       <p:ext uri="{BB962C8B-B14F-4D97-AF65-F5344CB8AC3E}">
         <p14:creationId xmlns:p14="http://schemas.microsoft.com/office/powerpoint/2010/main" val="2833878026"/>
+      </p:ext>
+    </p:extLst>
+  </p:cSld>
+  <p:clrMapOvr>
+    <a:masterClrMapping/>
+  </p:clrMapOvr>
+</p:sld>
+</file>
+
+<file path=ppt/slides/slide9.xml><?xml version="1.0" encoding="utf-8"?>
+<p:sld xmlns:a="http://schemas.openxmlformats.org/drawingml/2006/main" xmlns:r="http://schemas.openxmlformats.org/officeDocument/2006/relationships" xmlns:p="http://schemas.openxmlformats.org/presentationml/2006/main">
+  <p:cSld>
+    <p:spTree>
+      <p:nvGrpSpPr>
+        <p:cNvPr id="1" name=""/>
+        <p:cNvGrpSpPr/>
+        <p:nvPr/>
+      </p:nvGrpSpPr>
+      <p:grpSpPr>
+        <a:xfrm>
+          <a:off x="0" y="0"/>
+          <a:ext cx="0" cy="0"/>
+          <a:chOff x="0" y="0"/>
+          <a:chExt cx="0" cy="0"/>
+        </a:xfrm>
+      </p:grpSpPr>
+      <p:grpSp>
+        <p:nvGrpSpPr>
+          <p:cNvPr id="14" name="Agrupar 13">
+            <a:extLst>
+              <a:ext uri="{FF2B5EF4-FFF2-40B4-BE49-F238E27FC236}">
+                <a16:creationId xmlns:a16="http://schemas.microsoft.com/office/drawing/2014/main" id="{79C691CE-582E-4CE1-80CA-ED6A4018C529}"/>
+              </a:ext>
+            </a:extLst>
+          </p:cNvPr>
+          <p:cNvGrpSpPr/>
+          <p:nvPr/>
+        </p:nvGrpSpPr>
+        <p:grpSpPr>
+          <a:xfrm>
+            <a:off x="1234046" y="1829805"/>
+            <a:ext cx="4925486" cy="3377600"/>
+            <a:chOff x="1057303" y="1664663"/>
+            <a:chExt cx="5322513" cy="3556810"/>
+          </a:xfrm>
+        </p:grpSpPr>
+        <p:pic>
+          <p:nvPicPr>
+            <p:cNvPr id="13" name="Imagem 12" descr="Uma imagem com edifício&#10;&#10;Descrição gerada automaticamente">
+              <a:extLst>
+                <a:ext uri="{FF2B5EF4-FFF2-40B4-BE49-F238E27FC236}">
+                  <a16:creationId xmlns:a16="http://schemas.microsoft.com/office/drawing/2014/main" id="{11336867-6AD2-44DC-8BC5-9867628B7798}"/>
+                </a:ext>
+              </a:extLst>
+            </p:cNvPr>
+            <p:cNvPicPr>
+              <a:picLocks noChangeAspect="1"/>
+            </p:cNvPicPr>
+            <p:nvPr/>
+          </p:nvPicPr>
+          <p:blipFill>
+            <a:blip r:embed="rId2">
+              <a:extLst>
+                <a:ext uri="{28A0092B-C50C-407E-A947-70E740481C1C}">
+                  <a14:useLocalDpi xmlns:a14="http://schemas.microsoft.com/office/drawing/2010/main" val="0"/>
+                </a:ext>
+              </a:extLst>
+            </a:blip>
+            <a:stretch>
+              <a:fillRect/>
+            </a:stretch>
+          </p:blipFill>
+          <p:spPr>
+            <a:xfrm>
+              <a:off x="1057303" y="1664663"/>
+              <a:ext cx="5322513" cy="3556810"/>
+            </a:xfrm>
+            <a:prstGeom prst="rect">
+              <a:avLst/>
+            </a:prstGeom>
+          </p:spPr>
+        </p:pic>
+        <p:sp>
+          <p:nvSpPr>
+            <p:cNvPr id="4" name="CaixaDeTexto 3">
+              <a:extLst>
+                <a:ext uri="{FF2B5EF4-FFF2-40B4-BE49-F238E27FC236}">
+                  <a16:creationId xmlns:a16="http://schemas.microsoft.com/office/drawing/2014/main" id="{72AD3B8C-3AF8-426C-8B48-05465BFDD0D0}"/>
+                </a:ext>
+              </a:extLst>
+            </p:cNvPr>
+            <p:cNvSpPr txBox="1"/>
+            <p:nvPr/>
+          </p:nvSpPr>
+          <p:spPr>
+            <a:xfrm>
+              <a:off x="2600179" y="3065751"/>
+              <a:ext cx="590843" cy="307777"/>
+            </a:xfrm>
+            <a:prstGeom prst="rect">
+              <a:avLst/>
+            </a:prstGeom>
+            <a:noFill/>
+          </p:spPr>
+          <p:txBody>
+            <a:bodyPr wrap="square" rtlCol="0">
+              <a:spAutoFit/>
+            </a:bodyPr>
+            <a:lstStyle/>
+            <a:p>
+              <a:r>
+                <a:rPr lang="pt-PT" sz="1400" dirty="0">
+                  <a:solidFill>
+                    <a:srgbClr val="929292"/>
+                  </a:solidFill>
+                </a:rPr>
+                <a:t>1.2%</a:t>
+              </a:r>
+            </a:p>
+          </p:txBody>
+        </p:sp>
+        <p:sp>
+          <p:nvSpPr>
+            <p:cNvPr id="5" name="CaixaDeTexto 4">
+              <a:extLst>
+                <a:ext uri="{FF2B5EF4-FFF2-40B4-BE49-F238E27FC236}">
+                  <a16:creationId xmlns:a16="http://schemas.microsoft.com/office/drawing/2014/main" id="{AD5D0551-18B1-4606-8D35-5D68FF965FA7}"/>
+                </a:ext>
+              </a:extLst>
+            </p:cNvPr>
+            <p:cNvSpPr txBox="1"/>
+            <p:nvPr/>
+          </p:nvSpPr>
+          <p:spPr>
+            <a:xfrm>
+              <a:off x="2586111" y="3233708"/>
+              <a:ext cx="590843" cy="307777"/>
+            </a:xfrm>
+            <a:prstGeom prst="rect">
+              <a:avLst/>
+            </a:prstGeom>
+            <a:noFill/>
+          </p:spPr>
+          <p:txBody>
+            <a:bodyPr wrap="square" rtlCol="0">
+              <a:spAutoFit/>
+            </a:bodyPr>
+            <a:lstStyle/>
+            <a:p>
+              <a:r>
+                <a:rPr lang="pt-PT" sz="1400" dirty="0">
+                  <a:solidFill>
+                    <a:srgbClr val="929292"/>
+                  </a:solidFill>
+                </a:rPr>
+                <a:t>2.5%</a:t>
+              </a:r>
+            </a:p>
+          </p:txBody>
+        </p:sp>
+        <p:sp>
+          <p:nvSpPr>
+            <p:cNvPr id="6" name="CaixaDeTexto 5">
+              <a:extLst>
+                <a:ext uri="{FF2B5EF4-FFF2-40B4-BE49-F238E27FC236}">
+                  <a16:creationId xmlns:a16="http://schemas.microsoft.com/office/drawing/2014/main" id="{09ACC080-9922-450E-AF66-694B0382EBF7}"/>
+                </a:ext>
+              </a:extLst>
+            </p:cNvPr>
+            <p:cNvSpPr txBox="1"/>
+            <p:nvPr/>
+          </p:nvSpPr>
+          <p:spPr>
+            <a:xfrm>
+              <a:off x="4164039" y="3457136"/>
+              <a:ext cx="797227" cy="307777"/>
+            </a:xfrm>
+            <a:prstGeom prst="rect">
+              <a:avLst/>
+            </a:prstGeom>
+            <a:noFill/>
+          </p:spPr>
+          <p:txBody>
+            <a:bodyPr wrap="square" rtlCol="0">
+              <a:spAutoFit/>
+            </a:bodyPr>
+            <a:lstStyle/>
+            <a:p>
+              <a:r>
+                <a:rPr lang="pt-PT" sz="1400" dirty="0">
+                  <a:solidFill>
+                    <a:srgbClr val="929292"/>
+                  </a:solidFill>
+                </a:rPr>
+                <a:t>96.3%</a:t>
+              </a:r>
+            </a:p>
+          </p:txBody>
+        </p:sp>
+      </p:grpSp>
+      <p:sp>
+        <p:nvSpPr>
+          <p:cNvPr id="8" name="CaixaDeTexto 7">
+            <a:extLst>
+              <a:ext uri="{FF2B5EF4-FFF2-40B4-BE49-F238E27FC236}">
+                <a16:creationId xmlns:a16="http://schemas.microsoft.com/office/drawing/2014/main" id="{BD314E79-DB91-4DA9-BA30-CC07FB84693C}"/>
+              </a:ext>
+            </a:extLst>
+          </p:cNvPr>
+          <p:cNvSpPr txBox="1"/>
+          <p:nvPr/>
+        </p:nvSpPr>
+        <p:spPr>
+          <a:xfrm>
+            <a:off x="1410789" y="809897"/>
+            <a:ext cx="4572000" cy="369332"/>
+          </a:xfrm>
+          <a:prstGeom prst="rect">
+            <a:avLst/>
+          </a:prstGeom>
+          <a:noFill/>
+        </p:spPr>
+        <p:txBody>
+          <a:bodyPr wrap="square" rtlCol="0">
+            <a:spAutoFit/>
+          </a:bodyPr>
+          <a:lstStyle/>
+          <a:p>
+            <a:pPr algn="ctr"/>
+            <a:r>
+              <a:rPr lang="pt-PT" dirty="0" err="1"/>
+              <a:t>With</a:t>
+            </a:r>
+            <a:r>
+              <a:rPr lang="pt-PT" dirty="0"/>
+              <a:t> </a:t>
+            </a:r>
+            <a:r>
+              <a:rPr lang="pt-PT" dirty="0" err="1"/>
+              <a:t>Only</a:t>
+            </a:r>
+            <a:r>
+              <a:rPr lang="pt-PT" dirty="0"/>
+              <a:t> </a:t>
+            </a:r>
+            <a:r>
+              <a:rPr lang="pt-PT" dirty="0" err="1"/>
+              <a:t>Distinct</a:t>
+            </a:r>
+            <a:r>
+              <a:rPr lang="pt-PT" dirty="0"/>
+              <a:t> </a:t>
+            </a:r>
+            <a:r>
+              <a:rPr lang="pt-PT" dirty="0" err="1"/>
+              <a:t>Prices</a:t>
+            </a:r>
+            <a:endParaRPr lang="pt-PT" dirty="0"/>
+          </a:p>
+        </p:txBody>
+      </p:sp>
+      <p:pic>
+        <p:nvPicPr>
+          <p:cNvPr id="10" name="Imagem 9">
+            <a:extLst>
+              <a:ext uri="{FF2B5EF4-FFF2-40B4-BE49-F238E27FC236}">
+                <a16:creationId xmlns:a16="http://schemas.microsoft.com/office/drawing/2014/main" id="{7A3D4783-6701-40FE-962E-C3A928C952DE}"/>
+              </a:ext>
+            </a:extLst>
+          </p:cNvPr>
+          <p:cNvPicPr>
+            <a:picLocks noChangeAspect="1"/>
+          </p:cNvPicPr>
+          <p:nvPr/>
+        </p:nvPicPr>
+        <p:blipFill>
+          <a:blip r:embed="rId3">
+            <a:extLst>
+              <a:ext uri="{28A0092B-C50C-407E-A947-70E740481C1C}">
+                <a14:useLocalDpi xmlns:a14="http://schemas.microsoft.com/office/drawing/2010/main" val="0"/>
+              </a:ext>
+            </a:extLst>
+          </a:blip>
+          <a:stretch>
+            <a:fillRect/>
+          </a:stretch>
+        </p:blipFill>
+        <p:spPr>
+          <a:xfrm>
+            <a:off x="6096000" y="1650595"/>
+            <a:ext cx="5297107" cy="3556810"/>
+          </a:xfrm>
+          <a:prstGeom prst="rect">
+            <a:avLst/>
+          </a:prstGeom>
+        </p:spPr>
+      </p:pic>
+      <p:sp>
+        <p:nvSpPr>
+          <p:cNvPr id="11" name="CaixaDeTexto 10">
+            <a:extLst>
+              <a:ext uri="{FF2B5EF4-FFF2-40B4-BE49-F238E27FC236}">
+                <a16:creationId xmlns:a16="http://schemas.microsoft.com/office/drawing/2014/main" id="{892F064D-2A41-49F6-93C2-FDE36C6A752C}"/>
+              </a:ext>
+            </a:extLst>
+          </p:cNvPr>
+          <p:cNvSpPr txBox="1"/>
+          <p:nvPr/>
+        </p:nvSpPr>
+        <p:spPr>
+          <a:xfrm>
+            <a:off x="6458553" y="809897"/>
+            <a:ext cx="4572000" cy="369332"/>
+          </a:xfrm>
+          <a:prstGeom prst="rect">
+            <a:avLst/>
+          </a:prstGeom>
+          <a:noFill/>
+        </p:spPr>
+        <p:txBody>
+          <a:bodyPr wrap="square" rtlCol="0">
+            <a:spAutoFit/>
+          </a:bodyPr>
+          <a:lstStyle/>
+          <a:p>
+            <a:pPr algn="ctr"/>
+            <a:r>
+              <a:rPr lang="pt-PT" dirty="0" err="1"/>
+              <a:t>With</a:t>
+            </a:r>
+            <a:r>
+              <a:rPr lang="pt-PT" dirty="0"/>
+              <a:t> </a:t>
+            </a:r>
+            <a:r>
+              <a:rPr lang="pt-PT" dirty="0" err="1"/>
+              <a:t>All</a:t>
+            </a:r>
+            <a:r>
+              <a:rPr lang="pt-PT" dirty="0"/>
+              <a:t> </a:t>
+            </a:r>
+            <a:r>
+              <a:rPr lang="pt-PT" dirty="0" err="1"/>
+              <a:t>Prices</a:t>
+            </a:r>
+            <a:endParaRPr lang="pt-PT" dirty="0"/>
+          </a:p>
+        </p:txBody>
+      </p:sp>
+    </p:spTree>
+    <p:extLst>
+      <p:ext uri="{BB962C8B-B14F-4D97-AF65-F5344CB8AC3E}">
+        <p14:creationId xmlns:p14="http://schemas.microsoft.com/office/powerpoint/2010/main" val="4075826807"/>
       </p:ext>
     </p:extLst>
   </p:cSld>

--- a/graphs_test/11-19/printscreens_tese.pptx
+++ b/graphs_test/11-19/printscreens_tese.pptx
@@ -5,7 +5,7 @@
     <p:sldMasterId id="2147483648" r:id="rId1"/>
   </p:sldMasterIdLst>
   <p:notesMasterIdLst>
-    <p:notesMasterId r:id="rId11"/>
+    <p:notesMasterId r:id="rId13"/>
   </p:notesMasterIdLst>
   <p:sldIdLst>
     <p:sldId id="260" r:id="rId2"/>
@@ -17,6 +17,8 @@
     <p:sldId id="257" r:id="rId8"/>
     <p:sldId id="263" r:id="rId9"/>
     <p:sldId id="264" r:id="rId10"/>
+    <p:sldId id="265" r:id="rId11"/>
+    <p:sldId id="266" r:id="rId12"/>
   </p:sldIdLst>
   <p:sldSz cx="12192000" cy="6858000"/>
   <p:notesSz cx="6858000" cy="9144000"/>
@@ -205,7 +207,7 @@
           <a:p>
             <a:fld id="{ADB89B93-6586-4E18-8902-2B5626A4E4B4}" type="datetimeFigureOut">
               <a:rPr lang="pt-PT" smtClean="0"/>
-              <a:t>02/12/2019</a:t>
+              <a:t>11/12/2019</a:t>
             </a:fld>
             <a:endParaRPr lang="pt-PT"/>
           </a:p>
@@ -619,7 +621,7 @@
           <a:p>
             <a:fld id="{54B031C6-517C-4A65-AF55-E2B3A8480BDF}" type="datetimeFigureOut">
               <a:rPr lang="pt-PT" smtClean="0"/>
-              <a:t>02/12/2019</a:t>
+              <a:t>11/12/2019</a:t>
             </a:fld>
             <a:endParaRPr lang="pt-PT"/>
           </a:p>
@@ -817,7 +819,7 @@
           <a:p>
             <a:fld id="{54B031C6-517C-4A65-AF55-E2B3A8480BDF}" type="datetimeFigureOut">
               <a:rPr lang="pt-PT" smtClean="0"/>
-              <a:t>02/12/2019</a:t>
+              <a:t>11/12/2019</a:t>
             </a:fld>
             <a:endParaRPr lang="pt-PT"/>
           </a:p>
@@ -1025,7 +1027,7 @@
           <a:p>
             <a:fld id="{54B031C6-517C-4A65-AF55-E2B3A8480BDF}" type="datetimeFigureOut">
               <a:rPr lang="pt-PT" smtClean="0"/>
-              <a:t>02/12/2019</a:t>
+              <a:t>11/12/2019</a:t>
             </a:fld>
             <a:endParaRPr lang="pt-PT"/>
           </a:p>
@@ -1223,7 +1225,7 @@
           <a:p>
             <a:fld id="{54B031C6-517C-4A65-AF55-E2B3A8480BDF}" type="datetimeFigureOut">
               <a:rPr lang="pt-PT" smtClean="0"/>
-              <a:t>02/12/2019</a:t>
+              <a:t>11/12/2019</a:t>
             </a:fld>
             <a:endParaRPr lang="pt-PT"/>
           </a:p>
@@ -1498,7 +1500,7 @@
           <a:p>
             <a:fld id="{54B031C6-517C-4A65-AF55-E2B3A8480BDF}" type="datetimeFigureOut">
               <a:rPr lang="pt-PT" smtClean="0"/>
-              <a:t>02/12/2019</a:t>
+              <a:t>11/12/2019</a:t>
             </a:fld>
             <a:endParaRPr lang="pt-PT"/>
           </a:p>
@@ -1763,7 +1765,7 @@
           <a:p>
             <a:fld id="{54B031C6-517C-4A65-AF55-E2B3A8480BDF}" type="datetimeFigureOut">
               <a:rPr lang="pt-PT" smtClean="0"/>
-              <a:t>02/12/2019</a:t>
+              <a:t>11/12/2019</a:t>
             </a:fld>
             <a:endParaRPr lang="pt-PT"/>
           </a:p>
@@ -2175,7 +2177,7 @@
           <a:p>
             <a:fld id="{54B031C6-517C-4A65-AF55-E2B3A8480BDF}" type="datetimeFigureOut">
               <a:rPr lang="pt-PT" smtClean="0"/>
-              <a:t>02/12/2019</a:t>
+              <a:t>11/12/2019</a:t>
             </a:fld>
             <a:endParaRPr lang="pt-PT"/>
           </a:p>
@@ -2316,7 +2318,7 @@
           <a:p>
             <a:fld id="{54B031C6-517C-4A65-AF55-E2B3A8480BDF}" type="datetimeFigureOut">
               <a:rPr lang="pt-PT" smtClean="0"/>
-              <a:t>02/12/2019</a:t>
+              <a:t>11/12/2019</a:t>
             </a:fld>
             <a:endParaRPr lang="pt-PT"/>
           </a:p>
@@ -2429,7 +2431,7 @@
           <a:p>
             <a:fld id="{54B031C6-517C-4A65-AF55-E2B3A8480BDF}" type="datetimeFigureOut">
               <a:rPr lang="pt-PT" smtClean="0"/>
-              <a:t>02/12/2019</a:t>
+              <a:t>11/12/2019</a:t>
             </a:fld>
             <a:endParaRPr lang="pt-PT"/>
           </a:p>
@@ -2740,7 +2742,7 @@
           <a:p>
             <a:fld id="{54B031C6-517C-4A65-AF55-E2B3A8480BDF}" type="datetimeFigureOut">
               <a:rPr lang="pt-PT" smtClean="0"/>
-              <a:t>02/12/2019</a:t>
+              <a:t>11/12/2019</a:t>
             </a:fld>
             <a:endParaRPr lang="pt-PT"/>
           </a:p>
@@ -3028,7 +3030,7 @@
           <a:p>
             <a:fld id="{54B031C6-517C-4A65-AF55-E2B3A8480BDF}" type="datetimeFigureOut">
               <a:rPr lang="pt-PT" smtClean="0"/>
-              <a:t>02/12/2019</a:t>
+              <a:t>11/12/2019</a:t>
             </a:fld>
             <a:endParaRPr lang="pt-PT"/>
           </a:p>
@@ -3269,7 +3271,7 @@
           <a:p>
             <a:fld id="{54B031C6-517C-4A65-AF55-E2B3A8480BDF}" type="datetimeFigureOut">
               <a:rPr lang="pt-PT" smtClean="0"/>
-              <a:t>02/12/2019</a:t>
+              <a:t>11/12/2019</a:t>
             </a:fld>
             <a:endParaRPr lang="pt-PT"/>
           </a:p>
@@ -3726,6 +3728,265 @@
     <p:extLst>
       <p:ext uri="{BB962C8B-B14F-4D97-AF65-F5344CB8AC3E}">
         <p14:creationId xmlns:p14="http://schemas.microsoft.com/office/powerpoint/2010/main" val="3088324140"/>
+      </p:ext>
+    </p:extLst>
+  </p:cSld>
+  <p:clrMapOvr>
+    <a:masterClrMapping/>
+  </p:clrMapOvr>
+</p:sld>
+</file>
+
+<file path=ppt/slides/slide10.xml><?xml version="1.0" encoding="utf-8"?>
+<p:sld xmlns:a="http://schemas.openxmlformats.org/drawingml/2006/main" xmlns:r="http://schemas.openxmlformats.org/officeDocument/2006/relationships" xmlns:p="http://schemas.openxmlformats.org/presentationml/2006/main">
+  <p:cSld>
+    <p:spTree>
+      <p:nvGrpSpPr>
+        <p:cNvPr id="1" name=""/>
+        <p:cNvGrpSpPr/>
+        <p:nvPr/>
+      </p:nvGrpSpPr>
+      <p:grpSpPr>
+        <a:xfrm>
+          <a:off x="0" y="0"/>
+          <a:ext cx="0" cy="0"/>
+          <a:chOff x="0" y="0"/>
+          <a:chExt cx="0" cy="0"/>
+        </a:xfrm>
+      </p:grpSpPr>
+      <p:sp>
+        <p:nvSpPr>
+          <p:cNvPr id="2" name="CaixaDeTexto 1">
+            <a:extLst>
+              <a:ext uri="{FF2B5EF4-FFF2-40B4-BE49-F238E27FC236}">
+                <a16:creationId xmlns:a16="http://schemas.microsoft.com/office/drawing/2014/main" id="{F1C2B50C-47E7-4453-949D-83D2BF472B93}"/>
+              </a:ext>
+            </a:extLst>
+          </p:cNvPr>
+          <p:cNvSpPr txBox="1"/>
+          <p:nvPr/>
+        </p:nvSpPr>
+        <p:spPr>
+          <a:xfrm>
+            <a:off x="2778034" y="3105834"/>
+            <a:ext cx="6635932" cy="646331"/>
+          </a:xfrm>
+          <a:prstGeom prst="rect">
+            <a:avLst/>
+          </a:prstGeom>
+          <a:noFill/>
+        </p:spPr>
+        <p:txBody>
+          <a:bodyPr wrap="square" rtlCol="0" anchor="ctr">
+            <a:spAutoFit/>
+          </a:bodyPr>
+          <a:lstStyle/>
+          <a:p>
+            <a:pPr algn="ctr"/>
+            <a:r>
+              <a:rPr lang="pt-PT" sz="3600" b="1" dirty="0"/>
+              <a:t>CASE STUDIES</a:t>
+            </a:r>
+          </a:p>
+        </p:txBody>
+      </p:sp>
+    </p:spTree>
+    <p:extLst>
+      <p:ext uri="{BB962C8B-B14F-4D97-AF65-F5344CB8AC3E}">
+        <p14:creationId xmlns:p14="http://schemas.microsoft.com/office/powerpoint/2010/main" val="660064235"/>
+      </p:ext>
+    </p:extLst>
+  </p:cSld>
+  <p:clrMapOvr>
+    <a:masterClrMapping/>
+  </p:clrMapOvr>
+</p:sld>
+</file>
+
+<file path=ppt/slides/slide11.xml><?xml version="1.0" encoding="utf-8"?>
+<p:sld xmlns:a="http://schemas.openxmlformats.org/drawingml/2006/main" xmlns:r="http://schemas.openxmlformats.org/officeDocument/2006/relationships" xmlns:p="http://schemas.openxmlformats.org/presentationml/2006/main">
+  <p:cSld>
+    <p:spTree>
+      <p:nvGrpSpPr>
+        <p:cNvPr id="1" name=""/>
+        <p:cNvGrpSpPr/>
+        <p:nvPr/>
+      </p:nvGrpSpPr>
+      <p:grpSpPr>
+        <a:xfrm>
+          <a:off x="0" y="0"/>
+          <a:ext cx="0" cy="0"/>
+          <a:chOff x="0" y="0"/>
+          <a:chExt cx="0" cy="0"/>
+        </a:xfrm>
+      </p:grpSpPr>
+      <p:grpSp>
+        <p:nvGrpSpPr>
+          <p:cNvPr id="12" name="Agrupar 11">
+            <a:extLst>
+              <a:ext uri="{FF2B5EF4-FFF2-40B4-BE49-F238E27FC236}">
+                <a16:creationId xmlns:a16="http://schemas.microsoft.com/office/drawing/2014/main" id="{7D7AD552-C5A4-4196-84D9-CE32690F44F4}"/>
+              </a:ext>
+            </a:extLst>
+          </p:cNvPr>
+          <p:cNvGrpSpPr/>
+          <p:nvPr/>
+        </p:nvGrpSpPr>
+        <p:grpSpPr>
+          <a:xfrm>
+            <a:off x="2429057" y="1015173"/>
+            <a:ext cx="5958306" cy="4716306"/>
+            <a:chOff x="2429057" y="1015173"/>
+            <a:chExt cx="5958306" cy="4716306"/>
+          </a:xfrm>
+        </p:grpSpPr>
+        <p:pic>
+          <p:nvPicPr>
+            <p:cNvPr id="7" name="Imagem 6" descr="Uma imagem com captura de ecrã&#10;&#10;Descrição gerada automaticamente">
+              <a:extLst>
+                <a:ext uri="{FF2B5EF4-FFF2-40B4-BE49-F238E27FC236}">
+                  <a16:creationId xmlns:a16="http://schemas.microsoft.com/office/drawing/2014/main" id="{41CDB610-B3A1-4DD0-8C54-099D37465C24}"/>
+                </a:ext>
+              </a:extLst>
+            </p:cNvPr>
+            <p:cNvPicPr>
+              <a:picLocks noChangeAspect="1"/>
+            </p:cNvPicPr>
+            <p:nvPr/>
+          </p:nvPicPr>
+          <p:blipFill>
+            <a:blip r:embed="rId2">
+              <a:extLst>
+                <a:ext uri="{28A0092B-C50C-407E-A947-70E740481C1C}">
+                  <a14:useLocalDpi xmlns:a14="http://schemas.microsoft.com/office/drawing/2010/main" val="0"/>
+                </a:ext>
+              </a:extLst>
+            </a:blip>
+            <a:stretch>
+              <a:fillRect/>
+            </a:stretch>
+          </p:blipFill>
+          <p:spPr>
+            <a:xfrm>
+              <a:off x="2754655" y="3429000"/>
+              <a:ext cx="5632708" cy="2302479"/>
+            </a:xfrm>
+            <a:prstGeom prst="rect">
+              <a:avLst/>
+            </a:prstGeom>
+          </p:spPr>
+        </p:pic>
+        <p:pic>
+          <p:nvPicPr>
+            <p:cNvPr id="9" name="Imagem 8" descr="Uma imagem com captura de ecrã&#10;&#10;Descrição gerada automaticamente">
+              <a:extLst>
+                <a:ext uri="{FF2B5EF4-FFF2-40B4-BE49-F238E27FC236}">
+                  <a16:creationId xmlns:a16="http://schemas.microsoft.com/office/drawing/2014/main" id="{646CAE5A-79D4-442D-8FAD-F3BD068BFE77}"/>
+                </a:ext>
+              </a:extLst>
+            </p:cNvPr>
+            <p:cNvPicPr>
+              <a:picLocks noChangeAspect="1"/>
+            </p:cNvPicPr>
+            <p:nvPr/>
+          </p:nvPicPr>
+          <p:blipFill>
+            <a:blip r:embed="rId3">
+              <a:extLst>
+                <a:ext uri="{28A0092B-C50C-407E-A947-70E740481C1C}">
+                  <a14:useLocalDpi xmlns:a14="http://schemas.microsoft.com/office/drawing/2010/main" val="0"/>
+                </a:ext>
+              </a:extLst>
+            </a:blip>
+            <a:stretch>
+              <a:fillRect/>
+            </a:stretch>
+          </p:blipFill>
+          <p:spPr>
+            <a:xfrm>
+              <a:off x="2754655" y="1015173"/>
+              <a:ext cx="4716496" cy="2302479"/>
+            </a:xfrm>
+            <a:prstGeom prst="rect">
+              <a:avLst/>
+            </a:prstGeom>
+          </p:spPr>
+        </p:pic>
+        <p:sp>
+          <p:nvSpPr>
+            <p:cNvPr id="10" name="CaixaDeTexto 9">
+              <a:extLst>
+                <a:ext uri="{FF2B5EF4-FFF2-40B4-BE49-F238E27FC236}">
+                  <a16:creationId xmlns:a16="http://schemas.microsoft.com/office/drawing/2014/main" id="{4100BE19-662C-42EA-B110-3F5BE7C0583A}"/>
+                </a:ext>
+              </a:extLst>
+            </p:cNvPr>
+            <p:cNvSpPr txBox="1"/>
+            <p:nvPr/>
+          </p:nvSpPr>
+          <p:spPr>
+            <a:xfrm>
+              <a:off x="2429057" y="1015173"/>
+              <a:ext cx="337913" cy="338554"/>
+            </a:xfrm>
+            <a:prstGeom prst="rect">
+              <a:avLst/>
+            </a:prstGeom>
+            <a:noFill/>
+          </p:spPr>
+          <p:txBody>
+            <a:bodyPr wrap="square" rtlCol="0">
+              <a:spAutoFit/>
+            </a:bodyPr>
+            <a:lstStyle/>
+            <a:p>
+              <a:r>
+                <a:rPr lang="pt-PT" sz="1600" b="1" dirty="0"/>
+                <a:t>A</a:t>
+              </a:r>
+            </a:p>
+          </p:txBody>
+        </p:sp>
+        <p:sp>
+          <p:nvSpPr>
+            <p:cNvPr id="11" name="CaixaDeTexto 10">
+              <a:extLst>
+                <a:ext uri="{FF2B5EF4-FFF2-40B4-BE49-F238E27FC236}">
+                  <a16:creationId xmlns:a16="http://schemas.microsoft.com/office/drawing/2014/main" id="{89ECD291-B0DB-4722-A7F8-0E16A3DE3A95}"/>
+                </a:ext>
+              </a:extLst>
+            </p:cNvPr>
+            <p:cNvSpPr txBox="1"/>
+            <p:nvPr/>
+          </p:nvSpPr>
+          <p:spPr>
+            <a:xfrm>
+              <a:off x="2429057" y="3429000"/>
+              <a:ext cx="337913" cy="338554"/>
+            </a:xfrm>
+            <a:prstGeom prst="rect">
+              <a:avLst/>
+            </a:prstGeom>
+            <a:noFill/>
+          </p:spPr>
+          <p:txBody>
+            <a:bodyPr wrap="square" rtlCol="0">
+              <a:spAutoFit/>
+            </a:bodyPr>
+            <a:lstStyle/>
+            <a:p>
+              <a:r>
+                <a:rPr lang="pt-PT" sz="1600" b="1" dirty="0"/>
+                <a:t>B</a:t>
+              </a:r>
+            </a:p>
+          </p:txBody>
+        </p:sp>
+      </p:grpSp>
+    </p:spTree>
+    <p:extLst>
+      <p:ext uri="{BB962C8B-B14F-4D97-AF65-F5344CB8AC3E}">
+        <p14:creationId xmlns:p14="http://schemas.microsoft.com/office/powerpoint/2010/main" val="389378960"/>
       </p:ext>
     </p:extLst>
   </p:cSld>

--- a/graphs_test/11-19/printscreens_tese.pptx
+++ b/graphs_test/11-19/printscreens_tese.pptx
@@ -5,7 +5,7 @@
     <p:sldMasterId id="2147483648" r:id="rId1"/>
   </p:sldMasterIdLst>
   <p:notesMasterIdLst>
-    <p:notesMasterId r:id="rId13"/>
+    <p:notesMasterId r:id="rId14"/>
   </p:notesMasterIdLst>
   <p:sldIdLst>
     <p:sldId id="260" r:id="rId2"/>
@@ -19,6 +19,7 @@
     <p:sldId id="264" r:id="rId10"/>
     <p:sldId id="265" r:id="rId11"/>
     <p:sldId id="266" r:id="rId12"/>
+    <p:sldId id="267" r:id="rId13"/>
   </p:sldIdLst>
   <p:sldSz cx="12192000" cy="6858000"/>
   <p:notesSz cx="6858000" cy="9144000"/>
@@ -207,7 +208,7 @@
           <a:p>
             <a:fld id="{ADB89B93-6586-4E18-8902-2B5626A4E4B4}" type="datetimeFigureOut">
               <a:rPr lang="pt-PT" smtClean="0"/>
-              <a:t>11/12/2019</a:t>
+              <a:t>13/12/2019</a:t>
             </a:fld>
             <a:endParaRPr lang="pt-PT"/>
           </a:p>
@@ -621,7 +622,7 @@
           <a:p>
             <a:fld id="{54B031C6-517C-4A65-AF55-E2B3A8480BDF}" type="datetimeFigureOut">
               <a:rPr lang="pt-PT" smtClean="0"/>
-              <a:t>11/12/2019</a:t>
+              <a:t>13/12/2019</a:t>
             </a:fld>
             <a:endParaRPr lang="pt-PT"/>
           </a:p>
@@ -819,7 +820,7 @@
           <a:p>
             <a:fld id="{54B031C6-517C-4A65-AF55-E2B3A8480BDF}" type="datetimeFigureOut">
               <a:rPr lang="pt-PT" smtClean="0"/>
-              <a:t>11/12/2019</a:t>
+              <a:t>13/12/2019</a:t>
             </a:fld>
             <a:endParaRPr lang="pt-PT"/>
           </a:p>
@@ -1027,7 +1028,7 @@
           <a:p>
             <a:fld id="{54B031C6-517C-4A65-AF55-E2B3A8480BDF}" type="datetimeFigureOut">
               <a:rPr lang="pt-PT" smtClean="0"/>
-              <a:t>11/12/2019</a:t>
+              <a:t>13/12/2019</a:t>
             </a:fld>
             <a:endParaRPr lang="pt-PT"/>
           </a:p>
@@ -1225,7 +1226,7 @@
           <a:p>
             <a:fld id="{54B031C6-517C-4A65-AF55-E2B3A8480BDF}" type="datetimeFigureOut">
               <a:rPr lang="pt-PT" smtClean="0"/>
-              <a:t>11/12/2019</a:t>
+              <a:t>13/12/2019</a:t>
             </a:fld>
             <a:endParaRPr lang="pt-PT"/>
           </a:p>
@@ -1500,7 +1501,7 @@
           <a:p>
             <a:fld id="{54B031C6-517C-4A65-AF55-E2B3A8480BDF}" type="datetimeFigureOut">
               <a:rPr lang="pt-PT" smtClean="0"/>
-              <a:t>11/12/2019</a:t>
+              <a:t>13/12/2019</a:t>
             </a:fld>
             <a:endParaRPr lang="pt-PT"/>
           </a:p>
@@ -1765,7 +1766,7 @@
           <a:p>
             <a:fld id="{54B031C6-517C-4A65-AF55-E2B3A8480BDF}" type="datetimeFigureOut">
               <a:rPr lang="pt-PT" smtClean="0"/>
-              <a:t>11/12/2019</a:t>
+              <a:t>13/12/2019</a:t>
             </a:fld>
             <a:endParaRPr lang="pt-PT"/>
           </a:p>
@@ -2177,7 +2178,7 @@
           <a:p>
             <a:fld id="{54B031C6-517C-4A65-AF55-E2B3A8480BDF}" type="datetimeFigureOut">
               <a:rPr lang="pt-PT" smtClean="0"/>
-              <a:t>11/12/2019</a:t>
+              <a:t>13/12/2019</a:t>
             </a:fld>
             <a:endParaRPr lang="pt-PT"/>
           </a:p>
@@ -2318,7 +2319,7 @@
           <a:p>
             <a:fld id="{54B031C6-517C-4A65-AF55-E2B3A8480BDF}" type="datetimeFigureOut">
               <a:rPr lang="pt-PT" smtClean="0"/>
-              <a:t>11/12/2019</a:t>
+              <a:t>13/12/2019</a:t>
             </a:fld>
             <a:endParaRPr lang="pt-PT"/>
           </a:p>
@@ -2431,7 +2432,7 @@
           <a:p>
             <a:fld id="{54B031C6-517C-4A65-AF55-E2B3A8480BDF}" type="datetimeFigureOut">
               <a:rPr lang="pt-PT" smtClean="0"/>
-              <a:t>11/12/2019</a:t>
+              <a:t>13/12/2019</a:t>
             </a:fld>
             <a:endParaRPr lang="pt-PT"/>
           </a:p>
@@ -2742,7 +2743,7 @@
           <a:p>
             <a:fld id="{54B031C6-517C-4A65-AF55-E2B3A8480BDF}" type="datetimeFigureOut">
               <a:rPr lang="pt-PT" smtClean="0"/>
-              <a:t>11/12/2019</a:t>
+              <a:t>13/12/2019</a:t>
             </a:fld>
             <a:endParaRPr lang="pt-PT"/>
           </a:p>
@@ -3030,7 +3031,7 @@
           <a:p>
             <a:fld id="{54B031C6-517C-4A65-AF55-E2B3A8480BDF}" type="datetimeFigureOut">
               <a:rPr lang="pt-PT" smtClean="0"/>
-              <a:t>11/12/2019</a:t>
+              <a:t>13/12/2019</a:t>
             </a:fld>
             <a:endParaRPr lang="pt-PT"/>
           </a:p>
@@ -3271,7 +3272,7 @@
           <a:p>
             <a:fld id="{54B031C6-517C-4A65-AF55-E2B3A8480BDF}" type="datetimeFigureOut">
               <a:rPr lang="pt-PT" smtClean="0"/>
-              <a:t>11/12/2019</a:t>
+              <a:t>13/12/2019</a:t>
             </a:fld>
             <a:endParaRPr lang="pt-PT"/>
           </a:p>
@@ -3987,6 +3988,218 @@
     <p:extLst>
       <p:ext uri="{BB962C8B-B14F-4D97-AF65-F5344CB8AC3E}">
         <p14:creationId xmlns:p14="http://schemas.microsoft.com/office/powerpoint/2010/main" val="389378960"/>
+      </p:ext>
+    </p:extLst>
+  </p:cSld>
+  <p:clrMapOvr>
+    <a:masterClrMapping/>
+  </p:clrMapOvr>
+</p:sld>
+</file>
+
+<file path=ppt/slides/slide12.xml><?xml version="1.0" encoding="utf-8"?>
+<p:sld xmlns:a="http://schemas.openxmlformats.org/drawingml/2006/main" xmlns:r="http://schemas.openxmlformats.org/officeDocument/2006/relationships" xmlns:p="http://schemas.openxmlformats.org/presentationml/2006/main">
+  <p:cSld>
+    <p:spTree>
+      <p:nvGrpSpPr>
+        <p:cNvPr id="1" name=""/>
+        <p:cNvGrpSpPr/>
+        <p:nvPr/>
+      </p:nvGrpSpPr>
+      <p:grpSpPr>
+        <a:xfrm>
+          <a:off x="0" y="0"/>
+          <a:ext cx="0" cy="0"/>
+          <a:chOff x="0" y="0"/>
+          <a:chExt cx="0" cy="0"/>
+        </a:xfrm>
+      </p:grpSpPr>
+      <p:grpSp>
+        <p:nvGrpSpPr>
+          <p:cNvPr id="9" name="Agrupar 8">
+            <a:extLst>
+              <a:ext uri="{FF2B5EF4-FFF2-40B4-BE49-F238E27FC236}">
+                <a16:creationId xmlns:a16="http://schemas.microsoft.com/office/drawing/2014/main" id="{0A68F1D1-076E-462B-9018-607F4083DDE6}"/>
+              </a:ext>
+            </a:extLst>
+          </p:cNvPr>
+          <p:cNvGrpSpPr/>
+          <p:nvPr/>
+        </p:nvGrpSpPr>
+        <p:grpSpPr>
+          <a:xfrm>
+            <a:off x="1247319" y="849539"/>
+            <a:ext cx="8897714" cy="4686974"/>
+            <a:chOff x="579662" y="733425"/>
+            <a:chExt cx="8897714" cy="4686974"/>
+          </a:xfrm>
+        </p:grpSpPr>
+        <p:grpSp>
+          <p:nvGrpSpPr>
+            <p:cNvPr id="6" name="Agrupar 5">
+              <a:extLst>
+                <a:ext uri="{FF2B5EF4-FFF2-40B4-BE49-F238E27FC236}">
+                  <a16:creationId xmlns:a16="http://schemas.microsoft.com/office/drawing/2014/main" id="{DBB38395-6A26-4EED-A264-65FAF12F7248}"/>
+                </a:ext>
+              </a:extLst>
+            </p:cNvPr>
+            <p:cNvGrpSpPr/>
+            <p:nvPr/>
+          </p:nvGrpSpPr>
+          <p:grpSpPr>
+            <a:xfrm>
+              <a:off x="917575" y="733425"/>
+              <a:ext cx="8559801" cy="4686974"/>
+              <a:chOff x="917575" y="733425"/>
+              <a:chExt cx="8559801" cy="4686974"/>
+            </a:xfrm>
+          </p:grpSpPr>
+          <p:pic>
+            <p:nvPicPr>
+              <p:cNvPr id="3" name="Imagem 2" descr="Uma imagem com captura de ecrã&#10;&#10;Descrição gerada automaticamente">
+                <a:extLst>
+                  <a:ext uri="{FF2B5EF4-FFF2-40B4-BE49-F238E27FC236}">
+                    <a16:creationId xmlns:a16="http://schemas.microsoft.com/office/drawing/2014/main" id="{35E9310F-4017-4674-843B-282363124C16}"/>
+                  </a:ext>
+                </a:extLst>
+              </p:cNvPr>
+              <p:cNvPicPr>
+                <a:picLocks noChangeAspect="1"/>
+              </p:cNvPicPr>
+              <p:nvPr/>
+            </p:nvPicPr>
+            <p:blipFill rotWithShape="1">
+              <a:blip r:embed="rId2">
+                <a:extLst>
+                  <a:ext uri="{28A0092B-C50C-407E-A947-70E740481C1C}">
+                    <a14:useLocalDpi xmlns:a14="http://schemas.microsoft.com/office/drawing/2010/main" val="0"/>
+                  </a:ext>
+                </a:extLst>
+              </a:blip>
+              <a:srcRect l="461" t="982" r="295"/>
+              <a:stretch/>
+            </p:blipFill>
+            <p:spPr>
+              <a:xfrm>
+                <a:off x="917575" y="733425"/>
+                <a:ext cx="8559800" cy="1479645"/>
+              </a:xfrm>
+              <a:prstGeom prst="rect">
+                <a:avLst/>
+              </a:prstGeom>
+            </p:spPr>
+          </p:pic>
+          <p:pic>
+            <p:nvPicPr>
+              <p:cNvPr id="5" name="Imagem 4" descr="Uma imagem com captura de ecrã, interior, mesa, computador&#10;&#10;Descrição gerada automaticamente">
+                <a:extLst>
+                  <a:ext uri="{FF2B5EF4-FFF2-40B4-BE49-F238E27FC236}">
+                    <a16:creationId xmlns:a16="http://schemas.microsoft.com/office/drawing/2014/main" id="{2E1D6F40-18D1-414F-9CED-A3BBCF9AC778}"/>
+                  </a:ext>
+                </a:extLst>
+              </p:cNvPr>
+              <p:cNvPicPr>
+                <a:picLocks noChangeAspect="1"/>
+              </p:cNvPicPr>
+              <p:nvPr/>
+            </p:nvPicPr>
+            <p:blipFill rotWithShape="1">
+              <a:blip r:embed="rId3">
+                <a:extLst>
+                  <a:ext uri="{28A0092B-C50C-407E-A947-70E740481C1C}">
+                    <a14:useLocalDpi xmlns:a14="http://schemas.microsoft.com/office/drawing/2010/main" val="0"/>
+                  </a:ext>
+                </a:extLst>
+              </a:blip>
+              <a:srcRect l="217" t="856"/>
+              <a:stretch/>
+            </p:blipFill>
+            <p:spPr>
+              <a:xfrm>
+                <a:off x="917576" y="2470274"/>
+                <a:ext cx="8559800" cy="2950125"/>
+              </a:xfrm>
+              <a:prstGeom prst="rect">
+                <a:avLst/>
+              </a:prstGeom>
+            </p:spPr>
+          </p:pic>
+        </p:grpSp>
+        <p:sp>
+          <p:nvSpPr>
+            <p:cNvPr id="7" name="CaixaDeTexto 6">
+              <a:extLst>
+                <a:ext uri="{FF2B5EF4-FFF2-40B4-BE49-F238E27FC236}">
+                  <a16:creationId xmlns:a16="http://schemas.microsoft.com/office/drawing/2014/main" id="{74152E6E-36B7-49C6-99E1-D45EA1C7DD1F}"/>
+                </a:ext>
+              </a:extLst>
+            </p:cNvPr>
+            <p:cNvSpPr txBox="1"/>
+            <p:nvPr/>
+          </p:nvSpPr>
+          <p:spPr>
+            <a:xfrm>
+              <a:off x="579662" y="733425"/>
+              <a:ext cx="337913" cy="338554"/>
+            </a:xfrm>
+            <a:prstGeom prst="rect">
+              <a:avLst/>
+            </a:prstGeom>
+            <a:noFill/>
+          </p:spPr>
+          <p:txBody>
+            <a:bodyPr wrap="square" rtlCol="0">
+              <a:spAutoFit/>
+            </a:bodyPr>
+            <a:lstStyle/>
+            <a:p>
+              <a:r>
+                <a:rPr lang="pt-PT" sz="1600" b="1" dirty="0"/>
+                <a:t>A</a:t>
+              </a:r>
+            </a:p>
+          </p:txBody>
+        </p:sp>
+        <p:sp>
+          <p:nvSpPr>
+            <p:cNvPr id="8" name="CaixaDeTexto 7">
+              <a:extLst>
+                <a:ext uri="{FF2B5EF4-FFF2-40B4-BE49-F238E27FC236}">
+                  <a16:creationId xmlns:a16="http://schemas.microsoft.com/office/drawing/2014/main" id="{41B99A16-587F-48F1-8917-DEAB41E3617E}"/>
+                </a:ext>
+              </a:extLst>
+            </p:cNvPr>
+            <p:cNvSpPr txBox="1"/>
+            <p:nvPr/>
+          </p:nvSpPr>
+          <p:spPr>
+            <a:xfrm>
+              <a:off x="579662" y="2470274"/>
+              <a:ext cx="337913" cy="338554"/>
+            </a:xfrm>
+            <a:prstGeom prst="rect">
+              <a:avLst/>
+            </a:prstGeom>
+            <a:noFill/>
+          </p:spPr>
+          <p:txBody>
+            <a:bodyPr wrap="square" rtlCol="0">
+              <a:spAutoFit/>
+            </a:bodyPr>
+            <a:lstStyle/>
+            <a:p>
+              <a:r>
+                <a:rPr lang="pt-PT" sz="1600" b="1" dirty="0"/>
+                <a:t>B</a:t>
+              </a:r>
+            </a:p>
+          </p:txBody>
+        </p:sp>
+      </p:grpSp>
+    </p:spTree>
+    <p:extLst>
+      <p:ext uri="{BB962C8B-B14F-4D97-AF65-F5344CB8AC3E}">
+        <p14:creationId xmlns:p14="http://schemas.microsoft.com/office/powerpoint/2010/main" val="1380420227"/>
       </p:ext>
     </p:extLst>
   </p:cSld>

--- a/graphs_test/11-19/printscreens_tese.pptx
+++ b/graphs_test/11-19/printscreens_tese.pptx
@@ -5,7 +5,7 @@
     <p:sldMasterId id="2147483648" r:id="rId1"/>
   </p:sldMasterIdLst>
   <p:notesMasterIdLst>
-    <p:notesMasterId r:id="rId14"/>
+    <p:notesMasterId r:id="rId16"/>
   </p:notesMasterIdLst>
   <p:sldIdLst>
     <p:sldId id="260" r:id="rId2"/>
@@ -20,6 +20,8 @@
     <p:sldId id="265" r:id="rId11"/>
     <p:sldId id="266" r:id="rId12"/>
     <p:sldId id="267" r:id="rId13"/>
+    <p:sldId id="268" r:id="rId14"/>
+    <p:sldId id="269" r:id="rId15"/>
   </p:sldIdLst>
   <p:sldSz cx="12192000" cy="6858000"/>
   <p:notesSz cx="6858000" cy="9144000"/>
@@ -208,7 +210,7 @@
           <a:p>
             <a:fld id="{ADB89B93-6586-4E18-8902-2B5626A4E4B4}" type="datetimeFigureOut">
               <a:rPr lang="pt-PT" smtClean="0"/>
-              <a:t>13/12/2019</a:t>
+              <a:t>16/12/2019</a:t>
             </a:fld>
             <a:endParaRPr lang="pt-PT"/>
           </a:p>
@@ -622,7 +624,7 @@
           <a:p>
             <a:fld id="{54B031C6-517C-4A65-AF55-E2B3A8480BDF}" type="datetimeFigureOut">
               <a:rPr lang="pt-PT" smtClean="0"/>
-              <a:t>13/12/2019</a:t>
+              <a:t>16/12/2019</a:t>
             </a:fld>
             <a:endParaRPr lang="pt-PT"/>
           </a:p>
@@ -820,7 +822,7 @@
           <a:p>
             <a:fld id="{54B031C6-517C-4A65-AF55-E2B3A8480BDF}" type="datetimeFigureOut">
               <a:rPr lang="pt-PT" smtClean="0"/>
-              <a:t>13/12/2019</a:t>
+              <a:t>16/12/2019</a:t>
             </a:fld>
             <a:endParaRPr lang="pt-PT"/>
           </a:p>
@@ -1028,7 +1030,7 @@
           <a:p>
             <a:fld id="{54B031C6-517C-4A65-AF55-E2B3A8480BDF}" type="datetimeFigureOut">
               <a:rPr lang="pt-PT" smtClean="0"/>
-              <a:t>13/12/2019</a:t>
+              <a:t>16/12/2019</a:t>
             </a:fld>
             <a:endParaRPr lang="pt-PT"/>
           </a:p>
@@ -1226,7 +1228,7 @@
           <a:p>
             <a:fld id="{54B031C6-517C-4A65-AF55-E2B3A8480BDF}" type="datetimeFigureOut">
               <a:rPr lang="pt-PT" smtClean="0"/>
-              <a:t>13/12/2019</a:t>
+              <a:t>16/12/2019</a:t>
             </a:fld>
             <a:endParaRPr lang="pt-PT"/>
           </a:p>
@@ -1501,7 +1503,7 @@
           <a:p>
             <a:fld id="{54B031C6-517C-4A65-AF55-E2B3A8480BDF}" type="datetimeFigureOut">
               <a:rPr lang="pt-PT" smtClean="0"/>
-              <a:t>13/12/2019</a:t>
+              <a:t>16/12/2019</a:t>
             </a:fld>
             <a:endParaRPr lang="pt-PT"/>
           </a:p>
@@ -1766,7 +1768,7 @@
           <a:p>
             <a:fld id="{54B031C6-517C-4A65-AF55-E2B3A8480BDF}" type="datetimeFigureOut">
               <a:rPr lang="pt-PT" smtClean="0"/>
-              <a:t>13/12/2019</a:t>
+              <a:t>16/12/2019</a:t>
             </a:fld>
             <a:endParaRPr lang="pt-PT"/>
           </a:p>
@@ -2178,7 +2180,7 @@
           <a:p>
             <a:fld id="{54B031C6-517C-4A65-AF55-E2B3A8480BDF}" type="datetimeFigureOut">
               <a:rPr lang="pt-PT" smtClean="0"/>
-              <a:t>13/12/2019</a:t>
+              <a:t>16/12/2019</a:t>
             </a:fld>
             <a:endParaRPr lang="pt-PT"/>
           </a:p>
@@ -2319,7 +2321,7 @@
           <a:p>
             <a:fld id="{54B031C6-517C-4A65-AF55-E2B3A8480BDF}" type="datetimeFigureOut">
               <a:rPr lang="pt-PT" smtClean="0"/>
-              <a:t>13/12/2019</a:t>
+              <a:t>16/12/2019</a:t>
             </a:fld>
             <a:endParaRPr lang="pt-PT"/>
           </a:p>
@@ -2432,7 +2434,7 @@
           <a:p>
             <a:fld id="{54B031C6-517C-4A65-AF55-E2B3A8480BDF}" type="datetimeFigureOut">
               <a:rPr lang="pt-PT" smtClean="0"/>
-              <a:t>13/12/2019</a:t>
+              <a:t>16/12/2019</a:t>
             </a:fld>
             <a:endParaRPr lang="pt-PT"/>
           </a:p>
@@ -2743,7 +2745,7 @@
           <a:p>
             <a:fld id="{54B031C6-517C-4A65-AF55-E2B3A8480BDF}" type="datetimeFigureOut">
               <a:rPr lang="pt-PT" smtClean="0"/>
-              <a:t>13/12/2019</a:t>
+              <a:t>16/12/2019</a:t>
             </a:fld>
             <a:endParaRPr lang="pt-PT"/>
           </a:p>
@@ -3031,7 +3033,7 @@
           <a:p>
             <a:fld id="{54B031C6-517C-4A65-AF55-E2B3A8480BDF}" type="datetimeFigureOut">
               <a:rPr lang="pt-PT" smtClean="0"/>
-              <a:t>13/12/2019</a:t>
+              <a:t>16/12/2019</a:t>
             </a:fld>
             <a:endParaRPr lang="pt-PT"/>
           </a:p>
@@ -3272,7 +3274,7 @@
           <a:p>
             <a:fld id="{54B031C6-517C-4A65-AF55-E2B3A8480BDF}" type="datetimeFigureOut">
               <a:rPr lang="pt-PT" smtClean="0"/>
-              <a:t>13/12/2019</a:t>
+              <a:t>16/12/2019</a:t>
             </a:fld>
             <a:endParaRPr lang="pt-PT"/>
           </a:p>
@@ -4200,6 +4202,434 @@
     <p:extLst>
       <p:ext uri="{BB962C8B-B14F-4D97-AF65-F5344CB8AC3E}">
         <p14:creationId xmlns:p14="http://schemas.microsoft.com/office/powerpoint/2010/main" val="1380420227"/>
+      </p:ext>
+    </p:extLst>
+  </p:cSld>
+  <p:clrMapOvr>
+    <a:masterClrMapping/>
+  </p:clrMapOvr>
+</p:sld>
+</file>
+
+<file path=ppt/slides/slide13.xml><?xml version="1.0" encoding="utf-8"?>
+<p:sld xmlns:a="http://schemas.openxmlformats.org/drawingml/2006/main" xmlns:r="http://schemas.openxmlformats.org/officeDocument/2006/relationships" xmlns:p="http://schemas.openxmlformats.org/presentationml/2006/main">
+  <p:cSld>
+    <p:spTree>
+      <p:nvGrpSpPr>
+        <p:cNvPr id="1" name=""/>
+        <p:cNvGrpSpPr/>
+        <p:nvPr/>
+      </p:nvGrpSpPr>
+      <p:grpSpPr>
+        <a:xfrm>
+          <a:off x="0" y="0"/>
+          <a:ext cx="0" cy="0"/>
+          <a:chOff x="0" y="0"/>
+          <a:chExt cx="0" cy="0"/>
+        </a:xfrm>
+      </p:grpSpPr>
+      <p:grpSp>
+        <p:nvGrpSpPr>
+          <p:cNvPr id="11" name="Agrupar 10">
+            <a:extLst>
+              <a:ext uri="{FF2B5EF4-FFF2-40B4-BE49-F238E27FC236}">
+                <a16:creationId xmlns:a16="http://schemas.microsoft.com/office/drawing/2014/main" id="{EA0B3109-43F4-420E-AC33-3CAAA6DC13FE}"/>
+              </a:ext>
+            </a:extLst>
+          </p:cNvPr>
+          <p:cNvGrpSpPr/>
+          <p:nvPr/>
+        </p:nvGrpSpPr>
+        <p:grpSpPr>
+          <a:xfrm>
+            <a:off x="1483130" y="927394"/>
+            <a:ext cx="9116835" cy="4180184"/>
+            <a:chOff x="1483130" y="927394"/>
+            <a:chExt cx="9116835" cy="4180184"/>
+          </a:xfrm>
+        </p:grpSpPr>
+        <p:grpSp>
+          <p:nvGrpSpPr>
+            <p:cNvPr id="10" name="Agrupar 9">
+              <a:extLst>
+                <a:ext uri="{FF2B5EF4-FFF2-40B4-BE49-F238E27FC236}">
+                  <a16:creationId xmlns:a16="http://schemas.microsoft.com/office/drawing/2014/main" id="{95D374DE-79C4-4F08-AEEB-4F7296A21EE9}"/>
+                </a:ext>
+              </a:extLst>
+            </p:cNvPr>
+            <p:cNvGrpSpPr/>
+            <p:nvPr/>
+          </p:nvGrpSpPr>
+          <p:grpSpPr>
+            <a:xfrm>
+              <a:off x="1483130" y="927394"/>
+              <a:ext cx="9116835" cy="4180184"/>
+              <a:chOff x="1483130" y="927394"/>
+              <a:chExt cx="9116835" cy="4180184"/>
+            </a:xfrm>
+          </p:grpSpPr>
+          <p:pic>
+            <p:nvPicPr>
+              <p:cNvPr id="3" name="Imagem 2">
+                <a:extLst>
+                  <a:ext uri="{FF2B5EF4-FFF2-40B4-BE49-F238E27FC236}">
+                    <a16:creationId xmlns:a16="http://schemas.microsoft.com/office/drawing/2014/main" id="{1B4F6A5B-209D-41FD-AEEA-838E547F7471}"/>
+                  </a:ext>
+                </a:extLst>
+              </p:cNvPr>
+              <p:cNvPicPr>
+                <a:picLocks noChangeAspect="1"/>
+              </p:cNvPicPr>
+              <p:nvPr/>
+            </p:nvPicPr>
+            <p:blipFill>
+              <a:blip r:embed="rId2">
+                <a:extLst>
+                  <a:ext uri="{28A0092B-C50C-407E-A947-70E740481C1C}">
+                    <a14:useLocalDpi xmlns:a14="http://schemas.microsoft.com/office/drawing/2010/main" val="0"/>
+                  </a:ext>
+                </a:extLst>
+              </a:blip>
+              <a:stretch>
+                <a:fillRect/>
+              </a:stretch>
+            </p:blipFill>
+            <p:spPr>
+              <a:xfrm>
+                <a:off x="1483130" y="927394"/>
+                <a:ext cx="9038366" cy="2501606"/>
+              </a:xfrm>
+              <a:prstGeom prst="rect">
+                <a:avLst/>
+              </a:prstGeom>
+            </p:spPr>
+          </p:pic>
+          <p:pic>
+            <p:nvPicPr>
+              <p:cNvPr id="5" name="Imagem 4" descr="Uma imagem com captura de ecrã&#10;&#10;Descrição gerada automaticamente">
+                <a:extLst>
+                  <a:ext uri="{FF2B5EF4-FFF2-40B4-BE49-F238E27FC236}">
+                    <a16:creationId xmlns:a16="http://schemas.microsoft.com/office/drawing/2014/main" id="{CBA07D93-6A92-4FE3-937B-657167A1D05F}"/>
+                  </a:ext>
+                </a:extLst>
+              </p:cNvPr>
+              <p:cNvPicPr>
+                <a:picLocks noChangeAspect="1"/>
+              </p:cNvPicPr>
+              <p:nvPr/>
+            </p:nvPicPr>
+            <p:blipFill>
+              <a:blip r:embed="rId3">
+                <a:extLst>
+                  <a:ext uri="{28A0092B-C50C-407E-A947-70E740481C1C}">
+                    <a14:useLocalDpi xmlns:a14="http://schemas.microsoft.com/office/drawing/2010/main" val="0"/>
+                  </a:ext>
+                </a:extLst>
+              </a:blip>
+              <a:stretch>
+                <a:fillRect/>
+              </a:stretch>
+            </p:blipFill>
+            <p:spPr>
+              <a:xfrm>
+                <a:off x="1483130" y="3589748"/>
+                <a:ext cx="9116835" cy="1517830"/>
+              </a:xfrm>
+              <a:prstGeom prst="rect">
+                <a:avLst/>
+              </a:prstGeom>
+            </p:spPr>
+          </p:pic>
+        </p:grpSp>
+        <p:sp>
+          <p:nvSpPr>
+            <p:cNvPr id="15" name="CaixaDeTexto 14">
+              <a:extLst>
+                <a:ext uri="{FF2B5EF4-FFF2-40B4-BE49-F238E27FC236}">
+                  <a16:creationId xmlns:a16="http://schemas.microsoft.com/office/drawing/2014/main" id="{F2EB7037-82BC-4033-8336-5B024C235031}"/>
+                </a:ext>
+              </a:extLst>
+            </p:cNvPr>
+            <p:cNvSpPr txBox="1"/>
+            <p:nvPr/>
+          </p:nvSpPr>
+          <p:spPr>
+            <a:xfrm>
+              <a:off x="1483130" y="927394"/>
+              <a:ext cx="337913" cy="338554"/>
+            </a:xfrm>
+            <a:prstGeom prst="rect">
+              <a:avLst/>
+            </a:prstGeom>
+            <a:noFill/>
+          </p:spPr>
+          <p:txBody>
+            <a:bodyPr wrap="square" rtlCol="0">
+              <a:spAutoFit/>
+            </a:bodyPr>
+            <a:lstStyle/>
+            <a:p>
+              <a:r>
+                <a:rPr lang="pt-PT" sz="1600" b="1" dirty="0"/>
+                <a:t>A</a:t>
+              </a:r>
+            </a:p>
+          </p:txBody>
+        </p:sp>
+        <p:sp>
+          <p:nvSpPr>
+            <p:cNvPr id="17" name="CaixaDeTexto 16">
+              <a:extLst>
+                <a:ext uri="{FF2B5EF4-FFF2-40B4-BE49-F238E27FC236}">
+                  <a16:creationId xmlns:a16="http://schemas.microsoft.com/office/drawing/2014/main" id="{56D73BB9-7C02-429B-9F2E-7ABED5827DC5}"/>
+                </a:ext>
+              </a:extLst>
+            </p:cNvPr>
+            <p:cNvSpPr txBox="1"/>
+            <p:nvPr/>
+          </p:nvSpPr>
+          <p:spPr>
+            <a:xfrm>
+              <a:off x="1483130" y="3589748"/>
+              <a:ext cx="337913" cy="338554"/>
+            </a:xfrm>
+            <a:prstGeom prst="rect">
+              <a:avLst/>
+            </a:prstGeom>
+            <a:noFill/>
+          </p:spPr>
+          <p:txBody>
+            <a:bodyPr wrap="square" rtlCol="0">
+              <a:spAutoFit/>
+            </a:bodyPr>
+            <a:lstStyle/>
+            <a:p>
+              <a:r>
+                <a:rPr lang="pt-PT" sz="1600" b="1" dirty="0"/>
+                <a:t>B</a:t>
+              </a:r>
+            </a:p>
+          </p:txBody>
+        </p:sp>
+      </p:grpSp>
+    </p:spTree>
+    <p:extLst>
+      <p:ext uri="{BB962C8B-B14F-4D97-AF65-F5344CB8AC3E}">
+        <p14:creationId xmlns:p14="http://schemas.microsoft.com/office/powerpoint/2010/main" val="1274128517"/>
+      </p:ext>
+    </p:extLst>
+  </p:cSld>
+  <p:clrMapOvr>
+    <a:masterClrMapping/>
+  </p:clrMapOvr>
+</p:sld>
+</file>
+
+<file path=ppt/slides/slide14.xml><?xml version="1.0" encoding="utf-8"?>
+<p:sld xmlns:a="http://schemas.openxmlformats.org/drawingml/2006/main" xmlns:r="http://schemas.openxmlformats.org/officeDocument/2006/relationships" xmlns:p="http://schemas.openxmlformats.org/presentationml/2006/main">
+  <p:cSld>
+    <p:spTree>
+      <p:nvGrpSpPr>
+        <p:cNvPr id="1" name=""/>
+        <p:cNvGrpSpPr/>
+        <p:nvPr/>
+      </p:nvGrpSpPr>
+      <p:grpSpPr>
+        <a:xfrm>
+          <a:off x="0" y="0"/>
+          <a:ext cx="0" cy="0"/>
+          <a:chOff x="0" y="0"/>
+          <a:chExt cx="0" cy="0"/>
+        </a:xfrm>
+      </p:grpSpPr>
+      <p:grpSp>
+        <p:nvGrpSpPr>
+          <p:cNvPr id="7" name="Agrupar 6">
+            <a:extLst>
+              <a:ext uri="{FF2B5EF4-FFF2-40B4-BE49-F238E27FC236}">
+                <a16:creationId xmlns:a16="http://schemas.microsoft.com/office/drawing/2014/main" id="{93DEECEC-8EC5-4BB6-918E-687EDBF687E2}"/>
+              </a:ext>
+            </a:extLst>
+          </p:cNvPr>
+          <p:cNvGrpSpPr/>
+          <p:nvPr/>
+        </p:nvGrpSpPr>
+        <p:grpSpPr>
+          <a:xfrm>
+            <a:off x="2032111" y="287078"/>
+            <a:ext cx="7021908" cy="6283844"/>
+            <a:chOff x="2032111" y="25818"/>
+            <a:chExt cx="7021908" cy="6283844"/>
+          </a:xfrm>
+        </p:grpSpPr>
+        <p:grpSp>
+          <p:nvGrpSpPr>
+            <p:cNvPr id="6" name="Agrupar 5">
+              <a:extLst>
+                <a:ext uri="{FF2B5EF4-FFF2-40B4-BE49-F238E27FC236}">
+                  <a16:creationId xmlns:a16="http://schemas.microsoft.com/office/drawing/2014/main" id="{277C6921-36C4-40E0-A33C-125CE63EDF75}"/>
+                </a:ext>
+              </a:extLst>
+            </p:cNvPr>
+            <p:cNvGrpSpPr/>
+            <p:nvPr/>
+          </p:nvGrpSpPr>
+          <p:grpSpPr>
+            <a:xfrm>
+              <a:off x="2032111" y="25818"/>
+              <a:ext cx="7021908" cy="3403182"/>
+              <a:chOff x="1744728" y="-379132"/>
+              <a:chExt cx="7021908" cy="3403182"/>
+            </a:xfrm>
+          </p:grpSpPr>
+          <p:pic>
+            <p:nvPicPr>
+              <p:cNvPr id="2" name="Imagem 1" descr="Uma imagem com grande, computador, mesa, ecrã&#10;&#10;Descrição gerada automaticamente">
+                <a:extLst>
+                  <a:ext uri="{FF2B5EF4-FFF2-40B4-BE49-F238E27FC236}">
+                    <a16:creationId xmlns:a16="http://schemas.microsoft.com/office/drawing/2014/main" id="{765267F1-1F31-49E2-9535-44F83E8D2032}"/>
+                  </a:ext>
+                </a:extLst>
+              </p:cNvPr>
+              <p:cNvPicPr>
+                <a:picLocks noChangeAspect="1"/>
+              </p:cNvPicPr>
+              <p:nvPr/>
+            </p:nvPicPr>
+            <p:blipFill>
+              <a:blip r:embed="rId2">
+                <a:extLst>
+                  <a:ext uri="{28A0092B-C50C-407E-A947-70E740481C1C}">
+                    <a14:useLocalDpi xmlns:a14="http://schemas.microsoft.com/office/drawing/2010/main" val="0"/>
+                  </a:ext>
+                </a:extLst>
+              </a:blip>
+              <a:stretch>
+                <a:fillRect/>
+              </a:stretch>
+            </p:blipFill>
+            <p:spPr>
+              <a:xfrm>
+                <a:off x="1749354" y="-369552"/>
+                <a:ext cx="7017282" cy="3393602"/>
+              </a:xfrm>
+              <a:prstGeom prst="rect">
+                <a:avLst/>
+              </a:prstGeom>
+            </p:spPr>
+          </p:pic>
+          <p:sp>
+            <p:nvSpPr>
+              <p:cNvPr id="4" name="CaixaDeTexto 3">
+                <a:extLst>
+                  <a:ext uri="{FF2B5EF4-FFF2-40B4-BE49-F238E27FC236}">
+                    <a16:creationId xmlns:a16="http://schemas.microsoft.com/office/drawing/2014/main" id="{E330731B-BABD-4FED-A829-B5B75E0C645A}"/>
+                  </a:ext>
+                </a:extLst>
+              </p:cNvPr>
+              <p:cNvSpPr txBox="1"/>
+              <p:nvPr/>
+            </p:nvSpPr>
+            <p:spPr>
+              <a:xfrm>
+                <a:off x="1744728" y="-379132"/>
+                <a:ext cx="337913" cy="338554"/>
+              </a:xfrm>
+              <a:prstGeom prst="rect">
+                <a:avLst/>
+              </a:prstGeom>
+              <a:noFill/>
+            </p:spPr>
+            <p:txBody>
+              <a:bodyPr wrap="square" rtlCol="0">
+                <a:spAutoFit/>
+              </a:bodyPr>
+              <a:lstStyle/>
+              <a:p>
+                <a:r>
+                  <a:rPr lang="pt-PT" sz="1600" b="1" dirty="0"/>
+                  <a:t>A</a:t>
+                </a:r>
+              </a:p>
+            </p:txBody>
+          </p:sp>
+        </p:grpSp>
+        <p:pic>
+          <p:nvPicPr>
+            <p:cNvPr id="3" name="Imagem 2" descr="Uma imagem com janela, grande&#10;&#10;Descrição gerada automaticamente">
+              <a:extLst>
+                <a:ext uri="{FF2B5EF4-FFF2-40B4-BE49-F238E27FC236}">
+                  <a16:creationId xmlns:a16="http://schemas.microsoft.com/office/drawing/2014/main" id="{4E953233-DBA5-45D9-BC09-05ED0EEECD06}"/>
+                </a:ext>
+              </a:extLst>
+            </p:cNvPr>
+            <p:cNvPicPr>
+              <a:picLocks noChangeAspect="1"/>
+            </p:cNvPicPr>
+            <p:nvPr/>
+          </p:nvPicPr>
+          <p:blipFill>
+            <a:blip r:embed="rId3">
+              <a:extLst>
+                <a:ext uri="{28A0092B-C50C-407E-A947-70E740481C1C}">
+                  <a14:useLocalDpi xmlns:a14="http://schemas.microsoft.com/office/drawing/2010/main" val="0"/>
+                </a:ext>
+              </a:extLst>
+            </a:blip>
+            <a:stretch>
+              <a:fillRect/>
+            </a:stretch>
+          </p:blipFill>
+          <p:spPr>
+            <a:xfrm>
+              <a:off x="2032111" y="3429000"/>
+              <a:ext cx="6950659" cy="2880662"/>
+            </a:xfrm>
+            <a:prstGeom prst="rect">
+              <a:avLst/>
+            </a:prstGeom>
+          </p:spPr>
+        </p:pic>
+        <p:sp>
+          <p:nvSpPr>
+            <p:cNvPr id="5" name="CaixaDeTexto 4">
+              <a:extLst>
+                <a:ext uri="{FF2B5EF4-FFF2-40B4-BE49-F238E27FC236}">
+                  <a16:creationId xmlns:a16="http://schemas.microsoft.com/office/drawing/2014/main" id="{0B2C2437-3B43-43DF-A177-B1D0EC8AC31E}"/>
+                </a:ext>
+              </a:extLst>
+            </p:cNvPr>
+            <p:cNvSpPr txBox="1"/>
+            <p:nvPr/>
+          </p:nvSpPr>
+          <p:spPr>
+            <a:xfrm>
+              <a:off x="2036737" y="3429000"/>
+              <a:ext cx="337913" cy="338554"/>
+            </a:xfrm>
+            <a:prstGeom prst="rect">
+              <a:avLst/>
+            </a:prstGeom>
+            <a:noFill/>
+          </p:spPr>
+          <p:txBody>
+            <a:bodyPr wrap="square" rtlCol="0">
+              <a:spAutoFit/>
+            </a:bodyPr>
+            <a:lstStyle/>
+            <a:p>
+              <a:r>
+                <a:rPr lang="pt-PT" sz="1600" b="1" dirty="0"/>
+                <a:t>B</a:t>
+              </a:r>
+            </a:p>
+          </p:txBody>
+        </p:sp>
+      </p:grpSp>
+    </p:spTree>
+    <p:extLst>
+      <p:ext uri="{BB962C8B-B14F-4D97-AF65-F5344CB8AC3E}">
+        <p14:creationId xmlns:p14="http://schemas.microsoft.com/office/powerpoint/2010/main" val="1651629913"/>
       </p:ext>
     </p:extLst>
   </p:cSld>

--- a/graphs_test/11-19/printscreens_tese.pptx
+++ b/graphs_test/11-19/printscreens_tese.pptx
@@ -5,7 +5,7 @@
     <p:sldMasterId id="2147483648" r:id="rId1"/>
   </p:sldMasterIdLst>
   <p:notesMasterIdLst>
-    <p:notesMasterId r:id="rId16"/>
+    <p:notesMasterId r:id="rId17"/>
   </p:notesMasterIdLst>
   <p:sldIdLst>
     <p:sldId id="260" r:id="rId2"/>
@@ -17,11 +17,12 @@
     <p:sldId id="257" r:id="rId8"/>
     <p:sldId id="263" r:id="rId9"/>
     <p:sldId id="264" r:id="rId10"/>
-    <p:sldId id="265" r:id="rId11"/>
-    <p:sldId id="266" r:id="rId12"/>
-    <p:sldId id="267" r:id="rId13"/>
-    <p:sldId id="268" r:id="rId14"/>
-    <p:sldId id="269" r:id="rId15"/>
+    <p:sldId id="270" r:id="rId11"/>
+    <p:sldId id="265" r:id="rId12"/>
+    <p:sldId id="266" r:id="rId13"/>
+    <p:sldId id="267" r:id="rId14"/>
+    <p:sldId id="268" r:id="rId15"/>
+    <p:sldId id="269" r:id="rId16"/>
   </p:sldIdLst>
   <p:sldSz cx="12192000" cy="6858000"/>
   <p:notesSz cx="6858000" cy="9144000"/>
@@ -210,7 +211,7 @@
           <a:p>
             <a:fld id="{ADB89B93-6586-4E18-8902-2B5626A4E4B4}" type="datetimeFigureOut">
               <a:rPr lang="pt-PT" smtClean="0"/>
-              <a:t>16/12/2019</a:t>
+              <a:t>14/01/2020</a:t>
             </a:fld>
             <a:endParaRPr lang="pt-PT"/>
           </a:p>
@@ -624,7 +625,7 @@
           <a:p>
             <a:fld id="{54B031C6-517C-4A65-AF55-E2B3A8480BDF}" type="datetimeFigureOut">
               <a:rPr lang="pt-PT" smtClean="0"/>
-              <a:t>16/12/2019</a:t>
+              <a:t>14/01/2020</a:t>
             </a:fld>
             <a:endParaRPr lang="pt-PT"/>
           </a:p>
@@ -822,7 +823,7 @@
           <a:p>
             <a:fld id="{54B031C6-517C-4A65-AF55-E2B3A8480BDF}" type="datetimeFigureOut">
               <a:rPr lang="pt-PT" smtClean="0"/>
-              <a:t>16/12/2019</a:t>
+              <a:t>14/01/2020</a:t>
             </a:fld>
             <a:endParaRPr lang="pt-PT"/>
           </a:p>
@@ -1030,7 +1031,7 @@
           <a:p>
             <a:fld id="{54B031C6-517C-4A65-AF55-E2B3A8480BDF}" type="datetimeFigureOut">
               <a:rPr lang="pt-PT" smtClean="0"/>
-              <a:t>16/12/2019</a:t>
+              <a:t>14/01/2020</a:t>
             </a:fld>
             <a:endParaRPr lang="pt-PT"/>
           </a:p>
@@ -1228,7 +1229,7 @@
           <a:p>
             <a:fld id="{54B031C6-517C-4A65-AF55-E2B3A8480BDF}" type="datetimeFigureOut">
               <a:rPr lang="pt-PT" smtClean="0"/>
-              <a:t>16/12/2019</a:t>
+              <a:t>14/01/2020</a:t>
             </a:fld>
             <a:endParaRPr lang="pt-PT"/>
           </a:p>
@@ -1503,7 +1504,7 @@
           <a:p>
             <a:fld id="{54B031C6-517C-4A65-AF55-E2B3A8480BDF}" type="datetimeFigureOut">
               <a:rPr lang="pt-PT" smtClean="0"/>
-              <a:t>16/12/2019</a:t>
+              <a:t>14/01/2020</a:t>
             </a:fld>
             <a:endParaRPr lang="pt-PT"/>
           </a:p>
@@ -1768,7 +1769,7 @@
           <a:p>
             <a:fld id="{54B031C6-517C-4A65-AF55-E2B3A8480BDF}" type="datetimeFigureOut">
               <a:rPr lang="pt-PT" smtClean="0"/>
-              <a:t>16/12/2019</a:t>
+              <a:t>14/01/2020</a:t>
             </a:fld>
             <a:endParaRPr lang="pt-PT"/>
           </a:p>
@@ -2180,7 +2181,7 @@
           <a:p>
             <a:fld id="{54B031C6-517C-4A65-AF55-E2B3A8480BDF}" type="datetimeFigureOut">
               <a:rPr lang="pt-PT" smtClean="0"/>
-              <a:t>16/12/2019</a:t>
+              <a:t>14/01/2020</a:t>
             </a:fld>
             <a:endParaRPr lang="pt-PT"/>
           </a:p>
@@ -2321,7 +2322,7 @@
           <a:p>
             <a:fld id="{54B031C6-517C-4A65-AF55-E2B3A8480BDF}" type="datetimeFigureOut">
               <a:rPr lang="pt-PT" smtClean="0"/>
-              <a:t>16/12/2019</a:t>
+              <a:t>14/01/2020</a:t>
             </a:fld>
             <a:endParaRPr lang="pt-PT"/>
           </a:p>
@@ -2434,7 +2435,7 @@
           <a:p>
             <a:fld id="{54B031C6-517C-4A65-AF55-E2B3A8480BDF}" type="datetimeFigureOut">
               <a:rPr lang="pt-PT" smtClean="0"/>
-              <a:t>16/12/2019</a:t>
+              <a:t>14/01/2020</a:t>
             </a:fld>
             <a:endParaRPr lang="pt-PT"/>
           </a:p>
@@ -2745,7 +2746,7 @@
           <a:p>
             <a:fld id="{54B031C6-517C-4A65-AF55-E2B3A8480BDF}" type="datetimeFigureOut">
               <a:rPr lang="pt-PT" smtClean="0"/>
-              <a:t>16/12/2019</a:t>
+              <a:t>14/01/2020</a:t>
             </a:fld>
             <a:endParaRPr lang="pt-PT"/>
           </a:p>
@@ -3033,7 +3034,7 @@
           <a:p>
             <a:fld id="{54B031C6-517C-4A65-AF55-E2B3A8480BDF}" type="datetimeFigureOut">
               <a:rPr lang="pt-PT" smtClean="0"/>
-              <a:t>16/12/2019</a:t>
+              <a:t>14/01/2020</a:t>
             </a:fld>
             <a:endParaRPr lang="pt-PT"/>
           </a:p>
@@ -3274,7 +3275,7 @@
           <a:p>
             <a:fld id="{54B031C6-517C-4A65-AF55-E2B3A8480BDF}" type="datetimeFigureOut">
               <a:rPr lang="pt-PT" smtClean="0"/>
-              <a:t>16/12/2019</a:t>
+              <a:t>14/01/2020</a:t>
             </a:fld>
             <a:endParaRPr lang="pt-PT"/>
           </a:p>
@@ -3757,6 +3758,904 @@
           <a:chExt cx="0" cy="0"/>
         </a:xfrm>
       </p:grpSpPr>
+      <p:graphicFrame>
+        <p:nvGraphicFramePr>
+          <p:cNvPr id="2" name="Tabela 2">
+            <a:extLst>
+              <a:ext uri="{FF2B5EF4-FFF2-40B4-BE49-F238E27FC236}">
+                <a16:creationId xmlns:a16="http://schemas.microsoft.com/office/drawing/2014/main" id="{AE9A4019-9643-4767-B55F-D3162617A8E1}"/>
+              </a:ext>
+            </a:extLst>
+          </p:cNvPr>
+          <p:cNvGraphicFramePr>
+            <a:graphicFrameLocks noGrp="1"/>
+          </p:cNvGraphicFramePr>
+          <p:nvPr>
+            <p:extLst>
+              <p:ext uri="{D42A27DB-BD31-4B8C-83A1-F6EECF244321}">
+                <p14:modId xmlns:p14="http://schemas.microsoft.com/office/powerpoint/2010/main" val="3758699780"/>
+              </p:ext>
+            </p:extLst>
+          </p:nvPr>
+        </p:nvGraphicFramePr>
+        <p:xfrm>
+          <a:off x="2643052" y="2100218"/>
+          <a:ext cx="6096000" cy="2595880"/>
+        </p:xfrm>
+        <a:graphic>
+          <a:graphicData uri="http://schemas.openxmlformats.org/drawingml/2006/table">
+            <a:tbl>
+              <a:tblPr firstRow="1" bandRow="1">
+                <a:tableStyleId>{9D7B26C5-4107-4FEC-AEDC-1716B250A1EF}</a:tableStyleId>
+              </a:tblPr>
+              <a:tblGrid>
+                <a:gridCol w="2032000">
+                  <a:extLst>
+                    <a:ext uri="{9D8B030D-6E8A-4147-A177-3AD203B41FA5}">
+                      <a16:colId xmlns:a16="http://schemas.microsoft.com/office/drawing/2014/main" val="317196627"/>
+                    </a:ext>
+                  </a:extLst>
+                </a:gridCol>
+                <a:gridCol w="2032000">
+                  <a:extLst>
+                    <a:ext uri="{9D8B030D-6E8A-4147-A177-3AD203B41FA5}">
+                      <a16:colId xmlns:a16="http://schemas.microsoft.com/office/drawing/2014/main" val="400439829"/>
+                    </a:ext>
+                  </a:extLst>
+                </a:gridCol>
+                <a:gridCol w="2032000">
+                  <a:extLst>
+                    <a:ext uri="{9D8B030D-6E8A-4147-A177-3AD203B41FA5}">
+                      <a16:colId xmlns:a16="http://schemas.microsoft.com/office/drawing/2014/main" val="1674751808"/>
+                    </a:ext>
+                  </a:extLst>
+                </a:gridCol>
+              </a:tblGrid>
+              <a:tr h="370840">
+                <a:tc>
+                  <a:txBody>
+                    <a:bodyPr/>
+                    <a:lstStyle/>
+                    <a:p>
+                      <a:pPr algn="ctr"/>
+                      <a:r>
+                        <a:rPr lang="pt-PT" sz="1800" dirty="0" err="1"/>
+                        <a:t>Metabolite</a:t>
+                      </a:r>
+                      <a:endParaRPr lang="pt-PT" sz="1800" dirty="0"/>
+                    </a:p>
+                  </a:txBody>
+                  <a:tcPr/>
+                </a:tc>
+                <a:tc>
+                  <a:txBody>
+                    <a:bodyPr/>
+                    <a:lstStyle/>
+                    <a:p>
+                      <a:pPr algn="ctr"/>
+                      <a:r>
+                        <a:rPr lang="pt-PT" sz="1800" dirty="0" err="1"/>
+                        <a:t>Configuration</a:t>
+                      </a:r>
+                      <a:endParaRPr lang="pt-PT" sz="1800" dirty="0"/>
+                    </a:p>
+                  </a:txBody>
+                  <a:tcPr/>
+                </a:tc>
+                <a:tc>
+                  <a:txBody>
+                    <a:bodyPr/>
+                    <a:lstStyle/>
+                    <a:p>
+                      <a:pPr algn="ctr"/>
+                      <a:r>
+                        <a:rPr lang="pt-PT" sz="1800" dirty="0" err="1"/>
+                        <a:t>Provider</a:t>
+                      </a:r>
+                      <a:endParaRPr lang="pt-PT" sz="1800" dirty="0"/>
+                    </a:p>
+                  </a:txBody>
+                  <a:tcPr/>
+                </a:tc>
+                <a:extLst>
+                  <a:ext uri="{0D108BD9-81ED-4DB2-BD59-A6C34878D82A}">
+                    <a16:rowId xmlns:a16="http://schemas.microsoft.com/office/drawing/2014/main" val="4257985902"/>
+                  </a:ext>
+                </a:extLst>
+              </a:tr>
+              <a:tr h="370840">
+                <a:tc>
+                  <a:txBody>
+                    <a:bodyPr/>
+                    <a:lstStyle/>
+                    <a:p>
+                      <a:pPr algn="ctr"/>
+                      <a:r>
+                        <a:rPr lang="pt-PT" sz="1800" dirty="0"/>
+                        <a:t>M</a:t>
+                      </a:r>
+                    </a:p>
+                  </a:txBody>
+                  <a:tcPr>
+                    <a:noFill/>
+                  </a:tcPr>
+                </a:tc>
+                <a:tc>
+                  <a:txBody>
+                    <a:bodyPr/>
+                    <a:lstStyle/>
+                    <a:p>
+                      <a:pPr algn="ctr"/>
+                      <a:r>
+                        <a:rPr lang="pt-PT" sz="1800" dirty="0"/>
+                        <a:t>20g</a:t>
+                      </a:r>
+                    </a:p>
+                  </a:txBody>
+                  <a:tcPr>
+                    <a:noFill/>
+                  </a:tcPr>
+                </a:tc>
+                <a:tc>
+                  <a:txBody>
+                    <a:bodyPr/>
+                    <a:lstStyle/>
+                    <a:p>
+                      <a:pPr algn="ctr"/>
+                      <a:r>
+                        <a:rPr lang="pt-PT" sz="1800" dirty="0"/>
+                        <a:t>P1</a:t>
+                      </a:r>
+                    </a:p>
+                  </a:txBody>
+                  <a:tcPr>
+                    <a:noFill/>
+                  </a:tcPr>
+                </a:tc>
+                <a:extLst>
+                  <a:ext uri="{0D108BD9-81ED-4DB2-BD59-A6C34878D82A}">
+                    <a16:rowId xmlns:a16="http://schemas.microsoft.com/office/drawing/2014/main" val="177763055"/>
+                  </a:ext>
+                </a:extLst>
+              </a:tr>
+              <a:tr h="370840">
+                <a:tc>
+                  <a:txBody>
+                    <a:bodyPr/>
+                    <a:lstStyle/>
+                    <a:p>
+                      <a:pPr algn="ctr"/>
+                      <a:r>
+                        <a:rPr lang="pt-PT" sz="1800" dirty="0"/>
+                        <a:t>M</a:t>
+                      </a:r>
+                    </a:p>
+                  </a:txBody>
+                  <a:tcPr>
+                    <a:noFill/>
+                  </a:tcPr>
+                </a:tc>
+                <a:tc>
+                  <a:txBody>
+                    <a:bodyPr/>
+                    <a:lstStyle/>
+                    <a:p>
+                      <a:pPr algn="ctr"/>
+                      <a:r>
+                        <a:rPr lang="pt-PT" sz="1800" dirty="0"/>
+                        <a:t>20g</a:t>
+                      </a:r>
+                    </a:p>
+                  </a:txBody>
+                  <a:tcPr>
+                    <a:noFill/>
+                  </a:tcPr>
+                </a:tc>
+                <a:tc>
+                  <a:txBody>
+                    <a:bodyPr/>
+                    <a:lstStyle/>
+                    <a:p>
+                      <a:pPr algn="ctr"/>
+                      <a:r>
+                        <a:rPr lang="pt-PT" sz="1800" dirty="0"/>
+                        <a:t>P2</a:t>
+                      </a:r>
+                    </a:p>
+                  </a:txBody>
+                  <a:tcPr>
+                    <a:noFill/>
+                  </a:tcPr>
+                </a:tc>
+                <a:extLst>
+                  <a:ext uri="{0D108BD9-81ED-4DB2-BD59-A6C34878D82A}">
+                    <a16:rowId xmlns:a16="http://schemas.microsoft.com/office/drawing/2014/main" val="2878711264"/>
+                  </a:ext>
+                </a:extLst>
+              </a:tr>
+              <a:tr h="370840">
+                <a:tc>
+                  <a:txBody>
+                    <a:bodyPr/>
+                    <a:lstStyle/>
+                    <a:p>
+                      <a:pPr algn="ctr"/>
+                      <a:r>
+                        <a:rPr lang="pt-PT" sz="1800" dirty="0"/>
+                        <a:t>M</a:t>
+                      </a:r>
+                    </a:p>
+                  </a:txBody>
+                  <a:tcPr>
+                    <a:lnB w="12700" cap="flat" cmpd="sng" algn="ctr">
+                      <a:solidFill>
+                        <a:schemeClr val="tx1"/>
+                      </a:solidFill>
+                      <a:prstDash val="solid"/>
+                      <a:round/>
+                      <a:headEnd type="none" w="med" len="med"/>
+                      <a:tailEnd type="none" w="med" len="med"/>
+                    </a:lnB>
+                    <a:noFill/>
+                  </a:tcPr>
+                </a:tc>
+                <a:tc>
+                  <a:txBody>
+                    <a:bodyPr/>
+                    <a:lstStyle/>
+                    <a:p>
+                      <a:pPr algn="ctr"/>
+                      <a:r>
+                        <a:rPr lang="pt-PT" sz="1800" dirty="0"/>
+                        <a:t>40g</a:t>
+                      </a:r>
+                    </a:p>
+                  </a:txBody>
+                  <a:tcPr>
+                    <a:lnB w="12700" cap="flat" cmpd="sng" algn="ctr">
+                      <a:solidFill>
+                        <a:schemeClr val="tx1"/>
+                      </a:solidFill>
+                      <a:prstDash val="solid"/>
+                      <a:round/>
+                      <a:headEnd type="none" w="med" len="med"/>
+                      <a:tailEnd type="none" w="med" len="med"/>
+                    </a:lnB>
+                    <a:noFill/>
+                  </a:tcPr>
+                </a:tc>
+                <a:tc>
+                  <a:txBody>
+                    <a:bodyPr/>
+                    <a:lstStyle/>
+                    <a:p>
+                      <a:pPr algn="ctr"/>
+                      <a:r>
+                        <a:rPr lang="pt-PT" sz="1800" dirty="0"/>
+                        <a:t>P1</a:t>
+                      </a:r>
+                    </a:p>
+                  </a:txBody>
+                  <a:tcPr>
+                    <a:lnB w="12700" cap="flat" cmpd="sng" algn="ctr">
+                      <a:solidFill>
+                        <a:schemeClr val="tx1"/>
+                      </a:solidFill>
+                      <a:prstDash val="solid"/>
+                      <a:round/>
+                      <a:headEnd type="none" w="med" len="med"/>
+                      <a:tailEnd type="none" w="med" len="med"/>
+                    </a:lnB>
+                    <a:noFill/>
+                  </a:tcPr>
+                </a:tc>
+                <a:extLst>
+                  <a:ext uri="{0D108BD9-81ED-4DB2-BD59-A6C34878D82A}">
+                    <a16:rowId xmlns:a16="http://schemas.microsoft.com/office/drawing/2014/main" val="728929059"/>
+                  </a:ext>
+                </a:extLst>
+              </a:tr>
+              <a:tr h="370840">
+                <a:tc>
+                  <a:txBody>
+                    <a:bodyPr/>
+                    <a:lstStyle/>
+                    <a:p>
+                      <a:pPr algn="ctr"/>
+                      <a:r>
+                        <a:rPr lang="pt-PT" sz="1800" dirty="0"/>
+                        <a:t>M’</a:t>
+                      </a:r>
+                    </a:p>
+                  </a:txBody>
+                  <a:tcPr>
+                    <a:lnT w="12700" cap="flat" cmpd="sng" algn="ctr">
+                      <a:solidFill>
+                        <a:schemeClr val="tx1"/>
+                      </a:solidFill>
+                      <a:prstDash val="solid"/>
+                      <a:round/>
+                      <a:headEnd type="none" w="med" len="med"/>
+                      <a:tailEnd type="none" w="med" len="med"/>
+                    </a:lnT>
+                    <a:noFill/>
+                  </a:tcPr>
+                </a:tc>
+                <a:tc>
+                  <a:txBody>
+                    <a:bodyPr/>
+                    <a:lstStyle/>
+                    <a:p>
+                      <a:pPr algn="ctr"/>
+                      <a:r>
+                        <a:rPr lang="pt-PT" sz="1800" dirty="0"/>
+                        <a:t>20g</a:t>
+                      </a:r>
+                    </a:p>
+                  </a:txBody>
+                  <a:tcPr>
+                    <a:lnT w="12700" cap="flat" cmpd="sng" algn="ctr">
+                      <a:solidFill>
+                        <a:schemeClr val="tx1"/>
+                      </a:solidFill>
+                      <a:prstDash val="solid"/>
+                      <a:round/>
+                      <a:headEnd type="none" w="med" len="med"/>
+                      <a:tailEnd type="none" w="med" len="med"/>
+                    </a:lnT>
+                    <a:noFill/>
+                  </a:tcPr>
+                </a:tc>
+                <a:tc>
+                  <a:txBody>
+                    <a:bodyPr/>
+                    <a:lstStyle/>
+                    <a:p>
+                      <a:pPr algn="ctr"/>
+                      <a:r>
+                        <a:rPr lang="pt-PT" sz="1800" dirty="0"/>
+                        <a:t>P1</a:t>
+                      </a:r>
+                    </a:p>
+                  </a:txBody>
+                  <a:tcPr>
+                    <a:lnT w="12700" cap="flat" cmpd="sng" algn="ctr">
+                      <a:solidFill>
+                        <a:schemeClr val="tx1"/>
+                      </a:solidFill>
+                      <a:prstDash val="solid"/>
+                      <a:round/>
+                      <a:headEnd type="none" w="med" len="med"/>
+                      <a:tailEnd type="none" w="med" len="med"/>
+                    </a:lnT>
+                    <a:noFill/>
+                  </a:tcPr>
+                </a:tc>
+                <a:extLst>
+                  <a:ext uri="{0D108BD9-81ED-4DB2-BD59-A6C34878D82A}">
+                    <a16:rowId xmlns:a16="http://schemas.microsoft.com/office/drawing/2014/main" val="1191008290"/>
+                  </a:ext>
+                </a:extLst>
+              </a:tr>
+              <a:tr h="370840">
+                <a:tc>
+                  <a:txBody>
+                    <a:bodyPr/>
+                    <a:lstStyle/>
+                    <a:p>
+                      <a:pPr algn="ctr"/>
+                      <a:r>
+                        <a:rPr lang="pt-PT" sz="1800" dirty="0"/>
+                        <a:t>M’</a:t>
+                      </a:r>
+                    </a:p>
+                  </a:txBody>
+                  <a:tcPr>
+                    <a:noFill/>
+                  </a:tcPr>
+                </a:tc>
+                <a:tc>
+                  <a:txBody>
+                    <a:bodyPr/>
+                    <a:lstStyle/>
+                    <a:p>
+                      <a:pPr algn="ctr"/>
+                      <a:r>
+                        <a:rPr lang="pt-PT" sz="1800" dirty="0"/>
+                        <a:t>40g</a:t>
+                      </a:r>
+                    </a:p>
+                  </a:txBody>
+                  <a:tcPr>
+                    <a:noFill/>
+                  </a:tcPr>
+                </a:tc>
+                <a:tc>
+                  <a:txBody>
+                    <a:bodyPr/>
+                    <a:lstStyle/>
+                    <a:p>
+                      <a:pPr algn="ctr"/>
+                      <a:r>
+                        <a:rPr lang="pt-PT" sz="1800" dirty="0"/>
+                        <a:t>P1</a:t>
+                      </a:r>
+                    </a:p>
+                  </a:txBody>
+                  <a:tcPr>
+                    <a:noFill/>
+                  </a:tcPr>
+                </a:tc>
+                <a:extLst>
+                  <a:ext uri="{0D108BD9-81ED-4DB2-BD59-A6C34878D82A}">
+                    <a16:rowId xmlns:a16="http://schemas.microsoft.com/office/drawing/2014/main" val="2581000036"/>
+                  </a:ext>
+                </a:extLst>
+              </a:tr>
+              <a:tr h="370840">
+                <a:tc>
+                  <a:txBody>
+                    <a:bodyPr/>
+                    <a:lstStyle/>
+                    <a:p>
+                      <a:pPr algn="ctr"/>
+                      <a:r>
+                        <a:rPr lang="pt-PT" sz="1800" dirty="0"/>
+                        <a:t>M’</a:t>
+                      </a:r>
+                    </a:p>
+                  </a:txBody>
+                  <a:tcPr>
+                    <a:noFill/>
+                  </a:tcPr>
+                </a:tc>
+                <a:tc>
+                  <a:txBody>
+                    <a:bodyPr/>
+                    <a:lstStyle/>
+                    <a:p>
+                      <a:pPr algn="ctr"/>
+                      <a:r>
+                        <a:rPr lang="pt-PT" sz="1800" dirty="0"/>
+                        <a:t>40g</a:t>
+                      </a:r>
+                    </a:p>
+                  </a:txBody>
+                  <a:tcPr>
+                    <a:noFill/>
+                  </a:tcPr>
+                </a:tc>
+                <a:tc>
+                  <a:txBody>
+                    <a:bodyPr/>
+                    <a:lstStyle/>
+                    <a:p>
+                      <a:pPr algn="ctr"/>
+                      <a:r>
+                        <a:rPr lang="pt-PT" sz="1800" dirty="0"/>
+                        <a:t>P2</a:t>
+                      </a:r>
+                    </a:p>
+                  </a:txBody>
+                  <a:tcPr>
+                    <a:noFill/>
+                  </a:tcPr>
+                </a:tc>
+                <a:extLst>
+                  <a:ext uri="{0D108BD9-81ED-4DB2-BD59-A6C34878D82A}">
+                    <a16:rowId xmlns:a16="http://schemas.microsoft.com/office/drawing/2014/main" val="3184696008"/>
+                  </a:ext>
+                </a:extLst>
+              </a:tr>
+            </a:tbl>
+          </a:graphicData>
+        </a:graphic>
+      </p:graphicFrame>
+      <p:sp>
+        <p:nvSpPr>
+          <p:cNvPr id="5" name="Retângulo 4">
+            <a:extLst>
+              <a:ext uri="{FF2B5EF4-FFF2-40B4-BE49-F238E27FC236}">
+                <a16:creationId xmlns:a16="http://schemas.microsoft.com/office/drawing/2014/main" id="{AF48EEAD-3A15-459F-A55D-122D9D8E17D0}"/>
+              </a:ext>
+            </a:extLst>
+          </p:cNvPr>
+          <p:cNvSpPr/>
+          <p:nvPr/>
+        </p:nvSpPr>
+        <p:spPr>
+          <a:xfrm>
+            <a:off x="5447212" y="2508068"/>
+            <a:ext cx="457201" cy="666207"/>
+          </a:xfrm>
+          <a:prstGeom prst="rect">
+            <a:avLst/>
+          </a:prstGeom>
+          <a:noFill/>
+          <a:ln w="19050" cap="flat" cmpd="sng" algn="ctr">
+            <a:solidFill>
+              <a:srgbClr val="FF0000"/>
+            </a:solidFill>
+            <a:prstDash val="solid"/>
+            <a:round/>
+            <a:headEnd type="none" w="med" len="med"/>
+            <a:tailEnd type="none" w="med" len="med"/>
+          </a:ln>
+        </p:spPr>
+        <p:style>
+          <a:lnRef idx="0">
+            <a:scrgbClr r="0" g="0" b="0"/>
+          </a:lnRef>
+          <a:fillRef idx="0">
+            <a:scrgbClr r="0" g="0" b="0"/>
+          </a:fillRef>
+          <a:effectRef idx="0">
+            <a:scrgbClr r="0" g="0" b="0"/>
+          </a:effectRef>
+          <a:fontRef idx="minor">
+            <a:schemeClr val="accent2"/>
+          </a:fontRef>
+        </p:style>
+        <p:txBody>
+          <a:bodyPr rtlCol="0" anchor="ctr"/>
+          <a:lstStyle/>
+          <a:p>
+            <a:pPr algn="ctr"/>
+            <a:endParaRPr lang="pt-PT"/>
+          </a:p>
+        </p:txBody>
+      </p:sp>
+      <p:sp>
+        <p:nvSpPr>
+          <p:cNvPr id="6" name="Retângulo 5">
+            <a:extLst>
+              <a:ext uri="{FF2B5EF4-FFF2-40B4-BE49-F238E27FC236}">
+                <a16:creationId xmlns:a16="http://schemas.microsoft.com/office/drawing/2014/main" id="{7544B18F-E31A-468E-B575-DDE58C1D659B}"/>
+              </a:ext>
+            </a:extLst>
+          </p:cNvPr>
+          <p:cNvSpPr/>
+          <p:nvPr/>
+        </p:nvSpPr>
+        <p:spPr>
+          <a:xfrm>
+            <a:off x="5447213" y="3622404"/>
+            <a:ext cx="457200" cy="296453"/>
+          </a:xfrm>
+          <a:prstGeom prst="rect">
+            <a:avLst/>
+          </a:prstGeom>
+          <a:noFill/>
+          <a:ln w="19050" cap="flat" cmpd="sng" algn="ctr">
+            <a:solidFill>
+              <a:srgbClr val="FF0000"/>
+            </a:solidFill>
+            <a:prstDash val="solid"/>
+            <a:round/>
+            <a:headEnd type="none" w="med" len="med"/>
+            <a:tailEnd type="none" w="med" len="med"/>
+          </a:ln>
+        </p:spPr>
+        <p:style>
+          <a:lnRef idx="0">
+            <a:scrgbClr r="0" g="0" b="0"/>
+          </a:lnRef>
+          <a:fillRef idx="0">
+            <a:scrgbClr r="0" g="0" b="0"/>
+          </a:fillRef>
+          <a:effectRef idx="0">
+            <a:scrgbClr r="0" g="0" b="0"/>
+          </a:effectRef>
+          <a:fontRef idx="minor">
+            <a:schemeClr val="accent2"/>
+          </a:fontRef>
+        </p:style>
+        <p:txBody>
+          <a:bodyPr rtlCol="0" anchor="ctr"/>
+          <a:lstStyle/>
+          <a:p>
+            <a:pPr algn="ctr"/>
+            <a:endParaRPr lang="pt-PT"/>
+          </a:p>
+        </p:txBody>
+      </p:sp>
+      <p:cxnSp>
+        <p:nvCxnSpPr>
+          <p:cNvPr id="8" name="Conexão reta unidirecional 7">
+            <a:extLst>
+              <a:ext uri="{FF2B5EF4-FFF2-40B4-BE49-F238E27FC236}">
+                <a16:creationId xmlns:a16="http://schemas.microsoft.com/office/drawing/2014/main" id="{F1EE4832-93BC-4F0E-8404-BE7C84465DF9}"/>
+              </a:ext>
+            </a:extLst>
+          </p:cNvPr>
+          <p:cNvCxnSpPr>
+            <a:cxnSpLocks/>
+          </p:cNvCxnSpPr>
+          <p:nvPr/>
+        </p:nvCxnSpPr>
+        <p:spPr>
+          <a:xfrm flipV="1">
+            <a:off x="2442755" y="2508068"/>
+            <a:ext cx="0" cy="2188029"/>
+          </a:xfrm>
+          <a:prstGeom prst="straightConnector1">
+            <a:avLst/>
+          </a:prstGeom>
+          <a:ln w="28575">
+            <a:solidFill>
+              <a:srgbClr val="FF0000"/>
+            </a:solidFill>
+            <a:tailEnd type="triangle"/>
+          </a:ln>
+        </p:spPr>
+        <p:style>
+          <a:lnRef idx="1">
+            <a:schemeClr val="accent1"/>
+          </a:lnRef>
+          <a:fillRef idx="0">
+            <a:schemeClr val="accent1"/>
+          </a:fillRef>
+          <a:effectRef idx="0">
+            <a:schemeClr val="accent1"/>
+          </a:effectRef>
+          <a:fontRef idx="minor">
+            <a:schemeClr val="tx1"/>
+          </a:fontRef>
+        </p:style>
+      </p:cxnSp>
+      <p:sp>
+        <p:nvSpPr>
+          <p:cNvPr id="10" name="CaixaDeTexto 9">
+            <a:extLst>
+              <a:ext uri="{FF2B5EF4-FFF2-40B4-BE49-F238E27FC236}">
+                <a16:creationId xmlns:a16="http://schemas.microsoft.com/office/drawing/2014/main" id="{FA2C12CF-ACBD-4FFF-BDEA-11A1791DE551}"/>
+              </a:ext>
+            </a:extLst>
+          </p:cNvPr>
+          <p:cNvSpPr txBox="1"/>
+          <p:nvPr/>
+        </p:nvSpPr>
+        <p:spPr>
+          <a:xfrm>
+            <a:off x="1981090" y="2717521"/>
+            <a:ext cx="461665" cy="680636"/>
+          </a:xfrm>
+          <a:prstGeom prst="rect">
+            <a:avLst/>
+          </a:prstGeom>
+          <a:noFill/>
+        </p:spPr>
+        <p:txBody>
+          <a:bodyPr vert="vert270" wrap="none" rtlCol="0" anchor="ctr">
+            <a:spAutoFit/>
+          </a:bodyPr>
+          <a:lstStyle/>
+          <a:p>
+            <a:r>
+              <a:rPr lang="pt-PT" dirty="0"/>
+              <a:t>- Price</a:t>
+            </a:r>
+          </a:p>
+        </p:txBody>
+      </p:sp>
+      <p:sp>
+        <p:nvSpPr>
+          <p:cNvPr id="11" name="CaixaDeTexto 10">
+            <a:extLst>
+              <a:ext uri="{FF2B5EF4-FFF2-40B4-BE49-F238E27FC236}">
+                <a16:creationId xmlns:a16="http://schemas.microsoft.com/office/drawing/2014/main" id="{D5BFE35A-2B5D-4D60-A87E-A57486C457E2}"/>
+              </a:ext>
+            </a:extLst>
+          </p:cNvPr>
+          <p:cNvSpPr txBox="1"/>
+          <p:nvPr/>
+        </p:nvSpPr>
+        <p:spPr>
+          <a:xfrm>
+            <a:off x="1981089" y="3776547"/>
+            <a:ext cx="461665" cy="725520"/>
+          </a:xfrm>
+          <a:prstGeom prst="rect">
+            <a:avLst/>
+          </a:prstGeom>
+          <a:noFill/>
+        </p:spPr>
+        <p:txBody>
+          <a:bodyPr vert="vert270" wrap="none" rtlCol="0" anchor="ctr">
+            <a:spAutoFit/>
+          </a:bodyPr>
+          <a:lstStyle/>
+          <a:p>
+            <a:r>
+              <a:rPr lang="pt-PT" dirty="0"/>
+              <a:t>+ Price</a:t>
+            </a:r>
+          </a:p>
+        </p:txBody>
+      </p:sp>
+      <p:cxnSp>
+        <p:nvCxnSpPr>
+          <p:cNvPr id="13" name="Conexão reta 12">
+            <a:extLst>
+              <a:ext uri="{FF2B5EF4-FFF2-40B4-BE49-F238E27FC236}">
+                <a16:creationId xmlns:a16="http://schemas.microsoft.com/office/drawing/2014/main" id="{3719651D-51DF-4945-A6EA-F8A4BD636861}"/>
+              </a:ext>
+            </a:extLst>
+          </p:cNvPr>
+          <p:cNvCxnSpPr/>
+          <p:nvPr/>
+        </p:nvCxnSpPr>
+        <p:spPr>
+          <a:xfrm>
+            <a:off x="9405252" y="2900397"/>
+            <a:ext cx="1489166" cy="0"/>
+          </a:xfrm>
+          <a:prstGeom prst="line">
+            <a:avLst/>
+          </a:prstGeom>
+          <a:ln w="38100">
+            <a:solidFill>
+              <a:schemeClr val="tx1"/>
+            </a:solidFill>
+          </a:ln>
+        </p:spPr>
+        <p:style>
+          <a:lnRef idx="3">
+            <a:schemeClr val="accent2"/>
+          </a:lnRef>
+          <a:fillRef idx="0">
+            <a:schemeClr val="accent2"/>
+          </a:fillRef>
+          <a:effectRef idx="2">
+            <a:schemeClr val="accent2"/>
+          </a:effectRef>
+          <a:fontRef idx="minor">
+            <a:schemeClr val="tx1"/>
+          </a:fontRef>
+        </p:style>
+      </p:cxnSp>
+      <p:cxnSp>
+        <p:nvCxnSpPr>
+          <p:cNvPr id="14" name="Conexão reta 13">
+            <a:extLst>
+              <a:ext uri="{FF2B5EF4-FFF2-40B4-BE49-F238E27FC236}">
+                <a16:creationId xmlns:a16="http://schemas.microsoft.com/office/drawing/2014/main" id="{F966BDB7-544A-4D9E-AB91-4E782B704001}"/>
+              </a:ext>
+            </a:extLst>
+          </p:cNvPr>
+          <p:cNvCxnSpPr/>
+          <p:nvPr/>
+        </p:nvCxnSpPr>
+        <p:spPr>
+          <a:xfrm>
+            <a:off x="9405252" y="3209551"/>
+            <a:ext cx="1489166" cy="0"/>
+          </a:xfrm>
+          <a:prstGeom prst="line">
+            <a:avLst/>
+          </a:prstGeom>
+          <a:ln w="38100">
+            <a:solidFill>
+              <a:schemeClr val="tx1"/>
+            </a:solidFill>
+            <a:prstDash val="sysDot"/>
+          </a:ln>
+        </p:spPr>
+        <p:style>
+          <a:lnRef idx="3">
+            <a:schemeClr val="accent2"/>
+          </a:lnRef>
+          <a:fillRef idx="0">
+            <a:schemeClr val="accent2"/>
+          </a:fillRef>
+          <a:effectRef idx="2">
+            <a:schemeClr val="accent2"/>
+          </a:effectRef>
+          <a:fontRef idx="minor">
+            <a:schemeClr val="tx1"/>
+          </a:fontRef>
+        </p:style>
+      </p:cxnSp>
+      <p:sp>
+        <p:nvSpPr>
+          <p:cNvPr id="15" name="CaixaDeTexto 14">
+            <a:extLst>
+              <a:ext uri="{FF2B5EF4-FFF2-40B4-BE49-F238E27FC236}">
+                <a16:creationId xmlns:a16="http://schemas.microsoft.com/office/drawing/2014/main" id="{29B2FFB0-7D16-42AD-B455-BC92FC465D81}"/>
+              </a:ext>
+            </a:extLst>
+          </p:cNvPr>
+          <p:cNvSpPr txBox="1"/>
+          <p:nvPr/>
+        </p:nvSpPr>
+        <p:spPr>
+          <a:xfrm>
+            <a:off x="8869671" y="2715731"/>
+            <a:ext cx="535579" cy="369332"/>
+          </a:xfrm>
+          <a:prstGeom prst="rect">
+            <a:avLst/>
+          </a:prstGeom>
+          <a:noFill/>
+        </p:spPr>
+        <p:txBody>
+          <a:bodyPr wrap="square" rtlCol="0">
+            <a:spAutoFit/>
+          </a:bodyPr>
+          <a:lstStyle/>
+          <a:p>
+            <a:r>
+              <a:rPr lang="pt-PT" dirty="0"/>
+              <a:t>P1</a:t>
+            </a:r>
+          </a:p>
+        </p:txBody>
+      </p:sp>
+      <p:sp>
+        <p:nvSpPr>
+          <p:cNvPr id="16" name="CaixaDeTexto 15">
+            <a:extLst>
+              <a:ext uri="{FF2B5EF4-FFF2-40B4-BE49-F238E27FC236}">
+                <a16:creationId xmlns:a16="http://schemas.microsoft.com/office/drawing/2014/main" id="{D592C9E4-3ECB-4F51-9BA1-7BD74F007849}"/>
+              </a:ext>
+            </a:extLst>
+          </p:cNvPr>
+          <p:cNvSpPr txBox="1"/>
+          <p:nvPr/>
+        </p:nvSpPr>
+        <p:spPr>
+          <a:xfrm>
+            <a:off x="8869671" y="3024885"/>
+            <a:ext cx="535579" cy="369332"/>
+          </a:xfrm>
+          <a:prstGeom prst="rect">
+            <a:avLst/>
+          </a:prstGeom>
+          <a:noFill/>
+        </p:spPr>
+        <p:txBody>
+          <a:bodyPr wrap="square" rtlCol="0">
+            <a:spAutoFit/>
+          </a:bodyPr>
+          <a:lstStyle/>
+          <a:p>
+            <a:r>
+              <a:rPr lang="pt-PT" dirty="0"/>
+              <a:t>P2</a:t>
+            </a:r>
+          </a:p>
+        </p:txBody>
+      </p:sp>
+    </p:spTree>
+    <p:extLst>
+      <p:ext uri="{BB962C8B-B14F-4D97-AF65-F5344CB8AC3E}">
+        <p14:creationId xmlns:p14="http://schemas.microsoft.com/office/powerpoint/2010/main" val="152907906"/>
+      </p:ext>
+    </p:extLst>
+  </p:cSld>
+  <p:clrMapOvr>
+    <a:masterClrMapping/>
+  </p:clrMapOvr>
+</p:sld>
+</file>
+
+<file path=ppt/slides/slide11.xml><?xml version="1.0" encoding="utf-8"?>
+<p:sld xmlns:a="http://schemas.openxmlformats.org/drawingml/2006/main" xmlns:r="http://schemas.openxmlformats.org/officeDocument/2006/relationships" xmlns:p="http://schemas.openxmlformats.org/presentationml/2006/main">
+  <p:cSld>
+    <p:spTree>
+      <p:nvGrpSpPr>
+        <p:cNvPr id="1" name=""/>
+        <p:cNvGrpSpPr/>
+        <p:nvPr/>
+      </p:nvGrpSpPr>
+      <p:grpSpPr>
+        <a:xfrm>
+          <a:off x="0" y="0"/>
+          <a:ext cx="0" cy="0"/>
+          <a:chOff x="0" y="0"/>
+          <a:chExt cx="0" cy="0"/>
+        </a:xfrm>
+      </p:grpSpPr>
       <p:sp>
         <p:nvSpPr>
           <p:cNvPr id="2" name="CaixaDeTexto 1">
@@ -3806,7 +4705,7 @@
 </p:sld>
 </file>
 
-<file path=ppt/slides/slide11.xml><?xml version="1.0" encoding="utf-8"?>
+<file path=ppt/slides/slide12.xml><?xml version="1.0" encoding="utf-8"?>
 <p:sld xmlns:a="http://schemas.openxmlformats.org/drawingml/2006/main" xmlns:r="http://schemas.openxmlformats.org/officeDocument/2006/relationships" xmlns:p="http://schemas.openxmlformats.org/presentationml/2006/main">
   <p:cSld>
     <p:spTree>
@@ -3999,7 +4898,7 @@
 </p:sld>
 </file>
 
-<file path=ppt/slides/slide12.xml><?xml version="1.0" encoding="utf-8"?>
+<file path=ppt/slides/slide13.xml><?xml version="1.0" encoding="utf-8"?>
 <p:sld xmlns:a="http://schemas.openxmlformats.org/drawingml/2006/main" xmlns:r="http://schemas.openxmlformats.org/officeDocument/2006/relationships" xmlns:p="http://schemas.openxmlformats.org/presentationml/2006/main">
   <p:cSld>
     <p:spTree>
@@ -4211,7 +5110,7 @@
 </p:sld>
 </file>
 
-<file path=ppt/slides/slide13.xml><?xml version="1.0" encoding="utf-8"?>
+<file path=ppt/slides/slide14.xml><?xml version="1.0" encoding="utf-8"?>
 <p:sld xmlns:a="http://schemas.openxmlformats.org/drawingml/2006/main" xmlns:r="http://schemas.openxmlformats.org/officeDocument/2006/relationships" xmlns:p="http://schemas.openxmlformats.org/presentationml/2006/main">
   <p:cSld>
     <p:spTree>
@@ -4425,7 +5324,7 @@
 </p:sld>
 </file>
 
-<file path=ppt/slides/slide14.xml><?xml version="1.0" encoding="utf-8"?>
+<file path=ppt/slides/slide15.xml><?xml version="1.0" encoding="utf-8"?>
 <p:sld xmlns:a="http://schemas.openxmlformats.org/drawingml/2006/main" xmlns:r="http://schemas.openxmlformats.org/officeDocument/2006/relationships" xmlns:p="http://schemas.openxmlformats.org/presentationml/2006/main">
   <p:cSld>
     <p:spTree>
@@ -5567,9 +6466,9 @@
         <p:grpSpPr>
           <a:xfrm>
             <a:off x="2941077" y="2671105"/>
-            <a:ext cx="5971931" cy="1212435"/>
+            <a:ext cx="5971931" cy="1068742"/>
             <a:chOff x="2941077" y="2671105"/>
-            <a:chExt cx="5971931" cy="1212435"/>
+            <a:chExt cx="5971931" cy="1068742"/>
           </a:xfrm>
         </p:grpSpPr>
         <p:pic>
@@ -5636,7 +6535,7 @@
           </p:blipFill>
           <p:spPr>
             <a:xfrm>
-              <a:off x="3278991" y="3438749"/>
+              <a:off x="3278991" y="3295056"/>
               <a:ext cx="5634017" cy="444791"/>
             </a:xfrm>
             <a:prstGeom prst="rect">
@@ -5693,7 +6592,7 @@
           </p:nvSpPr>
           <p:spPr>
             <a:xfrm>
-              <a:off x="2941077" y="3335653"/>
+              <a:off x="2941077" y="3191960"/>
               <a:ext cx="337913" cy="338554"/>
             </a:xfrm>
             <a:prstGeom prst="rect">
